--- a/프로토타입4-10(이민철,민준호,정재훈).pptx
+++ b/프로토타입4-10(이민철,민준호,정재훈).pptx
@@ -347,7 +347,7 @@
             <a:fld id="{207F23D9-DF40-4811-9C78-A2E2A32398DD}" type="datetimeFigureOut">
               <a:rPr lang="ko-KR" altLang="en-US" smtClean="0"/>
               <a:pPr/>
-              <a:t>2018-04-23</a:t>
+              <a:t>2018-05-14</a:t>
             </a:fld>
             <a:endParaRPr lang="ko-KR" altLang="en-US"/>
           </a:p>
@@ -514,7 +514,7 @@
             <a:fld id="{F3AF6795-A612-454E-AF7A-9192B1BEBB13}" type="datetimeFigureOut">
               <a:rPr lang="ko-KR" altLang="en-US" smtClean="0"/>
               <a:pPr/>
-              <a:t>2018-04-23</a:t>
+              <a:t>2018-05-14</a:t>
             </a:fld>
             <a:endParaRPr lang="ko-KR" altLang="en-US"/>
           </a:p>
@@ -2308,7 +2308,7 @@
             <a:fld id="{8761FD00-3F21-42CF-9EF5-8F6D81CE3AFD}" type="datetimeFigureOut">
               <a:rPr lang="ko-KR" altLang="en-US" smtClean="0"/>
               <a:pPr/>
-              <a:t>2018-04-23</a:t>
+              <a:t>2018-05-14</a:t>
             </a:fld>
             <a:endParaRPr lang="ko-KR" altLang="en-US"/>
           </a:p>
@@ -3053,7 +3053,7 @@
             <a:fld id="{8761FD00-3F21-42CF-9EF5-8F6D81CE3AFD}" type="datetimeFigureOut">
               <a:rPr lang="ko-KR" altLang="en-US" smtClean="0"/>
               <a:pPr/>
-              <a:t>2018-04-23</a:t>
+              <a:t>2018-05-14</a:t>
             </a:fld>
             <a:endParaRPr lang="ko-KR" altLang="en-US"/>
           </a:p>
@@ -3365,7 +3365,7 @@
             <a:fld id="{8761FD00-3F21-42CF-9EF5-8F6D81CE3AFD}" type="datetimeFigureOut">
               <a:rPr lang="ko-KR" altLang="en-US" smtClean="0"/>
               <a:pPr/>
-              <a:t>2018-04-23</a:t>
+              <a:t>2018-05-14</a:t>
             </a:fld>
             <a:endParaRPr lang="ko-KR" altLang="en-US"/>
           </a:p>
@@ -3618,7 +3618,7 @@
             <a:fld id="{8761FD00-3F21-42CF-9EF5-8F6D81CE3AFD}" type="datetimeFigureOut">
               <a:rPr lang="ko-KR" altLang="en-US" smtClean="0"/>
               <a:pPr/>
-              <a:t>2018-04-23</a:t>
+              <a:t>2018-05-14</a:t>
             </a:fld>
             <a:endParaRPr lang="ko-KR" altLang="en-US"/>
           </a:p>
@@ -3842,7 +3842,7 @@
             <a:fld id="{8761FD00-3F21-42CF-9EF5-8F6D81CE3AFD}" type="datetimeFigureOut">
               <a:rPr lang="ko-KR" altLang="en-US" smtClean="0"/>
               <a:pPr/>
-              <a:t>2018-04-23</a:t>
+              <a:t>2018-05-14</a:t>
             </a:fld>
             <a:endParaRPr lang="ko-KR" altLang="en-US"/>
           </a:p>
@@ -4066,7 +4066,7 @@
             <a:fld id="{8761FD00-3F21-42CF-9EF5-8F6D81CE3AFD}" type="datetimeFigureOut">
               <a:rPr lang="ko-KR" altLang="en-US" smtClean="0"/>
               <a:pPr/>
-              <a:t>2018-04-23</a:t>
+              <a:t>2018-05-14</a:t>
             </a:fld>
             <a:endParaRPr lang="ko-KR" altLang="en-US"/>
           </a:p>
@@ -5444,8 +5444,8 @@
         </p:nvSpPr>
         <p:spPr>
           <a:xfrm>
-            <a:off x="393278" y="1762380"/>
-            <a:ext cx="8349049" cy="3778278"/>
+            <a:off x="393278" y="1922633"/>
+            <a:ext cx="8349049" cy="3362780"/>
           </a:xfrm>
           <a:prstGeom prst="rect">
             <a:avLst/>
@@ -5516,6 +5516,20 @@
             </a:pPr>
             <a:r>
               <a:rPr lang="ko-KR" altLang="en-US" dirty="0"/>
+              <a:t>움직임 감지 시 애플리케이션으로 푸시 알림</a:t>
+            </a:r>
+            <a:endParaRPr lang="en-US" altLang="ko-KR" dirty="0"/>
+          </a:p>
+          <a:p>
+            <a:pPr marL="742950" lvl="1" indent="-285750">
+              <a:lnSpc>
+                <a:spcPct val="150000"/>
+              </a:lnSpc>
+              <a:buFont typeface="Arial" panose="020B0604020202020204" pitchFamily="34" charset="0"/>
+              <a:buChar char="•"/>
+            </a:pPr>
+            <a:r>
+              <a:rPr lang="ko-KR" altLang="en-US" dirty="0"/>
               <a:t>움직임 감지 시 이미지 캡처 후 저장</a:t>
             </a:r>
             <a:endParaRPr lang="en-US" altLang="ko-KR" dirty="0"/>
@@ -5554,47 +5568,8 @@
             </a:pPr>
             <a:r>
               <a:rPr lang="ko-KR" altLang="en-US" dirty="0"/>
-              <a:t>움직임 감지 시 애플리케이션으로 푸시 알림</a:t>
-            </a:r>
-            <a:r>
-              <a:rPr lang="en-US" altLang="ko-KR" dirty="0"/>
-              <a:t>(</a:t>
-            </a:r>
-            <a:r>
-              <a:rPr lang="ko-KR" altLang="en-US" dirty="0"/>
-              <a:t>보완</a:t>
-            </a:r>
-            <a:r>
-              <a:rPr lang="en-US" altLang="ko-KR" dirty="0"/>
-              <a:t>)</a:t>
-            </a:r>
-          </a:p>
-          <a:p>
-            <a:pPr marL="800100" lvl="1" indent="-342900">
-              <a:lnSpc>
-                <a:spcPct val="150000"/>
-              </a:lnSpc>
-              <a:buFont typeface="Arial" panose="020B0604020202020204" pitchFamily="34" charset="0"/>
-              <a:buChar char="•"/>
-            </a:pPr>
-            <a:r>
-              <a:rPr lang="ko-KR" altLang="en-US" dirty="0" err="1"/>
-              <a:t>서보</a:t>
-            </a:r>
-            <a:r>
-              <a:rPr lang="ko-KR" altLang="en-US" dirty="0"/>
-              <a:t> 모터 움직일 시 전체화면 감지 되는 문제점 보완</a:t>
-            </a:r>
-            <a:endParaRPr lang="en-US" altLang="ko-KR" dirty="0"/>
-          </a:p>
-          <a:p>
-            <a:pPr marL="800100" lvl="1" indent="-342900">
-              <a:lnSpc>
-                <a:spcPct val="150000"/>
-              </a:lnSpc>
-              <a:buFont typeface="Arial" panose="020B0604020202020204" pitchFamily="34" charset="0"/>
-              <a:buChar char="•"/>
-            </a:pPr>
+              <a:t>가족 및 지인에게 </a:t>
+            </a:r>
             <a:r>
               <a:rPr lang="en-US" altLang="ko-KR" dirty="0"/>
               <a:t>SMS </a:t>

--- a/프로토타입4-10(이민철,민준호,정재훈).pptx
+++ b/프로토타입4-10(이민철,민준호,정재훈).pptx
@@ -5,10 +5,10 @@
     <p:sldMasterId id="2147483660" r:id="rId1"/>
   </p:sldMasterIdLst>
   <p:notesMasterIdLst>
-    <p:notesMasterId r:id="rId18"/>
+    <p:notesMasterId r:id="rId19"/>
   </p:notesMasterIdLst>
   <p:handoutMasterIdLst>
-    <p:handoutMasterId r:id="rId19"/>
+    <p:handoutMasterId r:id="rId20"/>
   </p:handoutMasterIdLst>
   <p:sldIdLst>
     <p:sldId id="257" r:id="rId2"/>
@@ -16,30 +16,31 @@
     <p:sldId id="282" r:id="rId4"/>
     <p:sldId id="322" r:id="rId5"/>
     <p:sldId id="323" r:id="rId6"/>
-    <p:sldId id="321" r:id="rId7"/>
-    <p:sldId id="293" r:id="rId8"/>
-    <p:sldId id="287" r:id="rId9"/>
-    <p:sldId id="289" r:id="rId10"/>
-    <p:sldId id="312" r:id="rId11"/>
-    <p:sldId id="324" r:id="rId12"/>
-    <p:sldId id="291" r:id="rId13"/>
-    <p:sldId id="269" r:id="rId14"/>
-    <p:sldId id="277" r:id="rId15"/>
-    <p:sldId id="292" r:id="rId16"/>
-    <p:sldId id="278" r:id="rId17"/>
+    <p:sldId id="325" r:id="rId7"/>
+    <p:sldId id="321" r:id="rId8"/>
+    <p:sldId id="293" r:id="rId9"/>
+    <p:sldId id="287" r:id="rId10"/>
+    <p:sldId id="289" r:id="rId11"/>
+    <p:sldId id="312" r:id="rId12"/>
+    <p:sldId id="324" r:id="rId13"/>
+    <p:sldId id="291" r:id="rId14"/>
+    <p:sldId id="269" r:id="rId15"/>
+    <p:sldId id="277" r:id="rId16"/>
+    <p:sldId id="292" r:id="rId17"/>
+    <p:sldId id="278" r:id="rId18"/>
   </p:sldIdLst>
   <p:sldSz cx="9144000" cy="6858000" type="screen4x3"/>
   <p:notesSz cx="6858000" cy="9945688"/>
   <p:embeddedFontLst>
     <p:embeddedFont>
-      <p:font typeface="맑은 고딕" panose="020B0503020000020004" pitchFamily="50" charset="-127"/>
-      <p:regular r:id="rId20"/>
-      <p:bold r:id="rId21"/>
+      <p:font typeface="나눔고딕" panose="020B0600000101010101" charset="-127"/>
+      <p:regular r:id="rId21"/>
+      <p:bold r:id="rId22"/>
     </p:embeddedFont>
     <p:embeddedFont>
-      <p:font typeface="나눔고딕" panose="020B0600000101010101" charset="-127"/>
-      <p:regular r:id="rId22"/>
-      <p:bold r:id="rId23"/>
+      <p:font typeface="맑은 고딕" panose="020B0503020000020004" pitchFamily="50" charset="-127"/>
+      <p:regular r:id="rId23"/>
+      <p:bold r:id="rId24"/>
     </p:embeddedFont>
   </p:embeddedFontLst>
   <p:defaultTextStyle>
@@ -147,6 +148,7 @@
             <p14:sldId id="282"/>
             <p14:sldId id="322"/>
             <p14:sldId id="323"/>
+            <p14:sldId id="325"/>
             <p14:sldId id="321"/>
             <p14:sldId id="293"/>
             <p14:sldId id="287"/>
@@ -347,7 +349,7 @@
             <a:fld id="{207F23D9-DF40-4811-9C78-A2E2A32398DD}" type="datetimeFigureOut">
               <a:rPr lang="ko-KR" altLang="en-US" smtClean="0"/>
               <a:pPr/>
-              <a:t>2018-05-14</a:t>
+              <a:t>2018-05-27</a:t>
             </a:fld>
             <a:endParaRPr lang="ko-KR" altLang="en-US"/>
           </a:p>
@@ -514,7 +516,7 @@
             <a:fld id="{F3AF6795-A612-454E-AF7A-9192B1BEBB13}" type="datetimeFigureOut">
               <a:rPr lang="ko-KR" altLang="en-US" smtClean="0"/>
               <a:pPr/>
-              <a:t>2018-05-14</a:t>
+              <a:t>2018-05-27</a:t>
             </a:fld>
             <a:endParaRPr lang="ko-KR" altLang="en-US"/>
           </a:p>
@@ -946,7 +948,7 @@
     </p:spTree>
     <p:extLst>
       <p:ext uri="{BB962C8B-B14F-4D97-AF65-F5344CB8AC3E}">
-        <p14:creationId xmlns:p14="http://schemas.microsoft.com/office/powerpoint/2010/main" val="4212409969"/>
+        <p14:creationId xmlns:p14="http://schemas.microsoft.com/office/powerpoint/2010/main" val="3918166427"/>
       </p:ext>
     </p:extLst>
   </p:cSld>
@@ -1022,7 +1024,7 @@
             <a:fld id="{A0A51D67-0C14-4576-BCC5-A508196B7BB5}" type="slidenum">
               <a:rPr lang="ko-KR" altLang="en-US" smtClean="0"/>
               <a:pPr/>
-              <a:t>15</a:t>
+              <a:t>13</a:t>
             </a:fld>
             <a:endParaRPr lang="ko-KR" altLang="en-US"/>
           </a:p>
@@ -1031,7 +1033,7 @@
     </p:spTree>
     <p:extLst>
       <p:ext uri="{BB962C8B-B14F-4D97-AF65-F5344CB8AC3E}">
-        <p14:creationId xmlns:p14="http://schemas.microsoft.com/office/powerpoint/2010/main" val="2289371032"/>
+        <p14:creationId xmlns:p14="http://schemas.microsoft.com/office/powerpoint/2010/main" val="4212409969"/>
       </p:ext>
     </p:extLst>
   </p:cSld>
@@ -1082,9 +1084,7 @@
         </p:nvSpPr>
         <p:spPr/>
         <p:txBody>
-          <a:bodyPr>
-            <a:normAutofit/>
-          </a:bodyPr>
+          <a:bodyPr/>
           <a:lstStyle/>
           <a:p>
             <a:endParaRPr lang="ko-KR" altLang="en-US" dirty="0"/>
@@ -1110,6 +1110,93 @@
               <a:rPr lang="ko-KR" altLang="en-US" smtClean="0"/>
               <a:pPr/>
               <a:t>16</a:t>
+            </a:fld>
+            <a:endParaRPr lang="ko-KR" altLang="en-US"/>
+          </a:p>
+        </p:txBody>
+      </p:sp>
+    </p:spTree>
+    <p:extLst>
+      <p:ext uri="{BB962C8B-B14F-4D97-AF65-F5344CB8AC3E}">
+        <p14:creationId xmlns:p14="http://schemas.microsoft.com/office/powerpoint/2010/main" val="2289371032"/>
+      </p:ext>
+    </p:extLst>
+  </p:cSld>
+  <p:clrMapOvr>
+    <a:masterClrMapping/>
+  </p:clrMapOvr>
+</p:notes>
+</file>
+
+<file path=ppt/notesSlides/notesSlide13.xml><?xml version="1.0" encoding="utf-8"?>
+<p:notes xmlns:a="http://schemas.openxmlformats.org/drawingml/2006/main" xmlns:r="http://schemas.openxmlformats.org/officeDocument/2006/relationships" xmlns:p="http://schemas.openxmlformats.org/presentationml/2006/main">
+  <p:cSld>
+    <p:spTree>
+      <p:nvGrpSpPr>
+        <p:cNvPr id="1" name=""/>
+        <p:cNvGrpSpPr/>
+        <p:nvPr/>
+      </p:nvGrpSpPr>
+      <p:grpSpPr>
+        <a:xfrm>
+          <a:off x="0" y="0"/>
+          <a:ext cx="0" cy="0"/>
+          <a:chOff x="0" y="0"/>
+          <a:chExt cx="0" cy="0"/>
+        </a:xfrm>
+      </p:grpSpPr>
+      <p:sp>
+        <p:nvSpPr>
+          <p:cNvPr id="2" name="슬라이드 이미지 개체 틀 1"/>
+          <p:cNvSpPr>
+            <a:spLocks noGrp="1" noRot="1" noChangeAspect="1"/>
+          </p:cNvSpPr>
+          <p:nvPr>
+            <p:ph type="sldImg"/>
+          </p:nvPr>
+        </p:nvSpPr>
+        <p:spPr/>
+      </p:sp>
+      <p:sp>
+        <p:nvSpPr>
+          <p:cNvPr id="3" name="슬라이드 노트 개체 틀 2"/>
+          <p:cNvSpPr>
+            <a:spLocks noGrp="1"/>
+          </p:cNvSpPr>
+          <p:nvPr>
+            <p:ph type="body" idx="1"/>
+          </p:nvPr>
+        </p:nvSpPr>
+        <p:spPr/>
+        <p:txBody>
+          <a:bodyPr>
+            <a:normAutofit/>
+          </a:bodyPr>
+          <a:lstStyle/>
+          <a:p>
+            <a:endParaRPr lang="ko-KR" altLang="en-US" dirty="0"/>
+          </a:p>
+        </p:txBody>
+      </p:sp>
+      <p:sp>
+        <p:nvSpPr>
+          <p:cNvPr id="4" name="슬라이드 번호 개체 틀 3"/>
+          <p:cNvSpPr>
+            <a:spLocks noGrp="1"/>
+          </p:cNvSpPr>
+          <p:nvPr>
+            <p:ph type="sldNum" sz="quarter" idx="10"/>
+          </p:nvPr>
+        </p:nvSpPr>
+        <p:spPr/>
+        <p:txBody>
+          <a:bodyPr/>
+          <a:lstStyle/>
+          <a:p>
+            <a:fld id="{A0A51D67-0C14-4576-BCC5-A508196B7BB5}" type="slidenum">
+              <a:rPr lang="ko-KR" altLang="en-US" smtClean="0"/>
+              <a:pPr/>
+              <a:t>17</a:t>
             </a:fld>
             <a:endParaRPr lang="ko-KR" altLang="en-US"/>
           </a:p>
@@ -1458,7 +1545,7 @@
     </p:spTree>
     <p:extLst>
       <p:ext uri="{BB962C8B-B14F-4D97-AF65-F5344CB8AC3E}">
-        <p14:creationId xmlns:p14="http://schemas.microsoft.com/office/powerpoint/2010/main" val="458545117"/>
+        <p14:creationId xmlns:p14="http://schemas.microsoft.com/office/powerpoint/2010/main" val="290405299"/>
       </p:ext>
     </p:extLst>
   </p:cSld>
@@ -1534,7 +1621,7 @@
             <a:fld id="{A0A51D67-0C14-4576-BCC5-A508196B7BB5}" type="slidenum">
               <a:rPr lang="ko-KR" altLang="en-US" smtClean="0"/>
               <a:pPr/>
-              <a:t>8</a:t>
+              <a:t>7</a:t>
             </a:fld>
             <a:endParaRPr lang="ko-KR" altLang="en-US"/>
           </a:p>
@@ -1543,7 +1630,7 @@
     </p:spTree>
     <p:extLst>
       <p:ext uri="{BB962C8B-B14F-4D97-AF65-F5344CB8AC3E}">
-        <p14:creationId xmlns:p14="http://schemas.microsoft.com/office/powerpoint/2010/main" val="1335939332"/>
+        <p14:creationId xmlns:p14="http://schemas.microsoft.com/office/powerpoint/2010/main" val="458545117"/>
       </p:ext>
     </p:extLst>
   </p:cSld>
@@ -1628,7 +1715,7 @@
     </p:spTree>
     <p:extLst>
       <p:ext uri="{BB962C8B-B14F-4D97-AF65-F5344CB8AC3E}">
-        <p14:creationId xmlns:p14="http://schemas.microsoft.com/office/powerpoint/2010/main" val="1086371052"/>
+        <p14:creationId xmlns:p14="http://schemas.microsoft.com/office/powerpoint/2010/main" val="1335939332"/>
       </p:ext>
     </p:extLst>
   </p:cSld>
@@ -1713,7 +1800,7 @@
     </p:spTree>
     <p:extLst>
       <p:ext uri="{BB962C8B-B14F-4D97-AF65-F5344CB8AC3E}">
-        <p14:creationId xmlns:p14="http://schemas.microsoft.com/office/powerpoint/2010/main" val="1567521520"/>
+        <p14:creationId xmlns:p14="http://schemas.microsoft.com/office/powerpoint/2010/main" val="1086371052"/>
       </p:ext>
     </p:extLst>
   </p:cSld>
@@ -1798,7 +1885,7 @@
     </p:spTree>
     <p:extLst>
       <p:ext uri="{BB962C8B-B14F-4D97-AF65-F5344CB8AC3E}">
-        <p14:creationId xmlns:p14="http://schemas.microsoft.com/office/powerpoint/2010/main" val="3918166427"/>
+        <p14:creationId xmlns:p14="http://schemas.microsoft.com/office/powerpoint/2010/main" val="1567521520"/>
       </p:ext>
     </p:extLst>
   </p:cSld>
@@ -2308,7 +2395,7 @@
             <a:fld id="{8761FD00-3F21-42CF-9EF5-8F6D81CE3AFD}" type="datetimeFigureOut">
               <a:rPr lang="ko-KR" altLang="en-US" smtClean="0"/>
               <a:pPr/>
-              <a:t>2018-05-14</a:t>
+              <a:t>2018-05-27</a:t>
             </a:fld>
             <a:endParaRPr lang="ko-KR" altLang="en-US"/>
           </a:p>
@@ -3053,7 +3140,7 @@
             <a:fld id="{8761FD00-3F21-42CF-9EF5-8F6D81CE3AFD}" type="datetimeFigureOut">
               <a:rPr lang="ko-KR" altLang="en-US" smtClean="0"/>
               <a:pPr/>
-              <a:t>2018-05-14</a:t>
+              <a:t>2018-05-27</a:t>
             </a:fld>
             <a:endParaRPr lang="ko-KR" altLang="en-US"/>
           </a:p>
@@ -3365,7 +3452,7 @@
             <a:fld id="{8761FD00-3F21-42CF-9EF5-8F6D81CE3AFD}" type="datetimeFigureOut">
               <a:rPr lang="ko-KR" altLang="en-US" smtClean="0"/>
               <a:pPr/>
-              <a:t>2018-05-14</a:t>
+              <a:t>2018-05-27</a:t>
             </a:fld>
             <a:endParaRPr lang="ko-KR" altLang="en-US"/>
           </a:p>
@@ -3618,7 +3705,7 @@
             <a:fld id="{8761FD00-3F21-42CF-9EF5-8F6D81CE3AFD}" type="datetimeFigureOut">
               <a:rPr lang="ko-KR" altLang="en-US" smtClean="0"/>
               <a:pPr/>
-              <a:t>2018-05-14</a:t>
+              <a:t>2018-05-27</a:t>
             </a:fld>
             <a:endParaRPr lang="ko-KR" altLang="en-US"/>
           </a:p>
@@ -3842,7 +3929,7 @@
             <a:fld id="{8761FD00-3F21-42CF-9EF5-8F6D81CE3AFD}" type="datetimeFigureOut">
               <a:rPr lang="ko-KR" altLang="en-US" smtClean="0"/>
               <a:pPr/>
-              <a:t>2018-05-14</a:t>
+              <a:t>2018-05-27</a:t>
             </a:fld>
             <a:endParaRPr lang="ko-KR" altLang="en-US"/>
           </a:p>
@@ -4066,7 +4153,7 @@
             <a:fld id="{8761FD00-3F21-42CF-9EF5-8F6D81CE3AFD}" type="datetimeFigureOut">
               <a:rPr lang="ko-KR" altLang="en-US" smtClean="0"/>
               <a:pPr/>
-              <a:t>2018-05-14</a:t>
+              <a:t>2018-05-27</a:t>
             </a:fld>
             <a:endParaRPr lang="ko-KR" altLang="en-US"/>
           </a:p>
@@ -5003,209 +5090,159 @@
                 <a:latin typeface="나눔고딕" pitchFamily="50" charset="-127"/>
                 <a:ea typeface="나눔고딕" pitchFamily="50" charset="-127"/>
               </a:rPr>
-              <a:t> / 16</a:t>
+              <a:t> / 17</a:t>
             </a:r>
           </a:p>
         </p:txBody>
       </p:sp>
-      <p:sp>
-        <p:nvSpPr>
-          <p:cNvPr id="3" name="직사각형 2"/>
-          <p:cNvSpPr/>
+      <p:pic>
+        <p:nvPicPr>
+          <p:cNvPr id="6" name="그림 5">
+            <a:extLst>
+              <a:ext uri="{FF2B5EF4-FFF2-40B4-BE49-F238E27FC236}">
+                <a16:creationId xmlns:a16="http://schemas.microsoft.com/office/drawing/2014/main" id="{C89B209F-E18E-400B-9E7F-12DB7603476B}"/>
+              </a:ext>
+            </a:extLst>
+          </p:cNvPr>
+          <p:cNvPicPr>
+            <a:picLocks noChangeAspect="1"/>
+          </p:cNvPicPr>
           <p:nvPr/>
-        </p:nvSpPr>
+        </p:nvPicPr>
+        <p:blipFill>
+          <a:blip r:embed="rId3">
+            <a:extLst>
+              <a:ext uri="{28A0092B-C50C-407E-A947-70E740481C1C}">
+                <a14:useLocalDpi xmlns:a14="http://schemas.microsoft.com/office/drawing/2010/main" val="0"/>
+              </a:ext>
+            </a:extLst>
+          </a:blip>
+          <a:stretch>
+            <a:fillRect/>
+          </a:stretch>
+        </p:blipFill>
         <p:spPr>
           <a:xfrm>
-            <a:off x="393278" y="1687949"/>
-            <a:ext cx="8349049" cy="3970318"/>
+            <a:off x="484727" y="1846850"/>
+            <a:ext cx="4506373" cy="2805042"/>
           </a:xfrm>
           <a:prstGeom prst="rect">
             <a:avLst/>
           </a:prstGeom>
         </p:spPr>
-        <p:txBody>
-          <a:bodyPr wrap="square">
-            <a:spAutoFit/>
-          </a:bodyPr>
-          <a:lstStyle/>
-          <a:p>
-            <a:pPr marL="342900" indent="-342900">
-              <a:buFont typeface="+mj-lt"/>
-              <a:buAutoNum type="arabicPeriod"/>
-            </a:pPr>
-            <a:r>
-              <a:rPr lang="en-US" altLang="ko-KR" dirty="0" err="1"/>
-              <a:t>RaspberryPI</a:t>
-            </a:r>
-            <a:endParaRPr lang="en-US" altLang="ko-KR" dirty="0"/>
-          </a:p>
-          <a:p>
-            <a:pPr marL="800100" lvl="1" indent="-342900">
-              <a:buFont typeface="Arial" panose="020B0604020202020204" pitchFamily="34" charset="0"/>
-              <a:buChar char="•"/>
-            </a:pPr>
-            <a:r>
-              <a:rPr lang="en-US" altLang="ko-KR" dirty="0"/>
-              <a:t>Flask</a:t>
-            </a:r>
-            <a:r>
-              <a:rPr lang="ko-KR" altLang="en-US" dirty="0"/>
-              <a:t>를 이용한 웹 서버 구현</a:t>
-            </a:r>
-            <a:endParaRPr lang="en-US" altLang="ko-KR" dirty="0"/>
-          </a:p>
-          <a:p>
-            <a:pPr marL="800100" lvl="1" indent="-342900">
-              <a:buFont typeface="Arial" panose="020B0604020202020204" pitchFamily="34" charset="0"/>
-              <a:buChar char="•"/>
-            </a:pPr>
-            <a:r>
-              <a:rPr lang="en-US" altLang="ko-KR" dirty="0"/>
-              <a:t>Open CV</a:t>
-            </a:r>
-            <a:r>
-              <a:rPr lang="ko-KR" altLang="en-US" dirty="0"/>
-              <a:t>를 이용한 이미지 캡처 및 모션 인식</a:t>
-            </a:r>
-            <a:endParaRPr lang="en-US" altLang="ko-KR" dirty="0"/>
-          </a:p>
-          <a:p>
-            <a:pPr marL="800100" lvl="1" indent="-342900">
-              <a:buFont typeface="Arial" panose="020B0604020202020204" pitchFamily="34" charset="0"/>
-              <a:buChar char="•"/>
-            </a:pPr>
-            <a:r>
-              <a:rPr lang="ko-KR" altLang="en-US" dirty="0"/>
-              <a:t>모션 감지 시 이미지 캡처 및 메시지 푸시 요청</a:t>
-            </a:r>
-            <a:endParaRPr lang="en-US" altLang="ko-KR" dirty="0"/>
-          </a:p>
-          <a:p>
-            <a:pPr marL="800100" lvl="1" indent="-342900">
-              <a:buFont typeface="Arial" panose="020B0604020202020204" pitchFamily="34" charset="0"/>
-              <a:buChar char="•"/>
-            </a:pPr>
-            <a:r>
-              <a:rPr lang="ko-KR" altLang="en-US" dirty="0"/>
-              <a:t>쓰레드를 이용하여 소켓 구동</a:t>
-            </a:r>
-            <a:endParaRPr lang="en-US" altLang="ko-KR" dirty="0"/>
-          </a:p>
-          <a:p>
-            <a:pPr marL="342900" indent="-342900">
-              <a:buFont typeface="+mj-lt"/>
-              <a:buAutoNum type="arabicPeriod"/>
-            </a:pPr>
-            <a:endParaRPr lang="en-US" altLang="ko-KR" dirty="0"/>
-          </a:p>
-          <a:p>
-            <a:pPr marL="342900" indent="-342900">
-              <a:buFont typeface="+mj-lt"/>
-              <a:buAutoNum type="arabicPeriod"/>
-            </a:pPr>
-            <a:r>
-              <a:rPr lang="en-US" altLang="ko-KR" dirty="0"/>
-              <a:t>Application</a:t>
-            </a:r>
-          </a:p>
-          <a:p>
-            <a:pPr marL="800100" lvl="1" indent="-342900">
-              <a:buFont typeface="Arial" panose="020B0604020202020204" pitchFamily="34" charset="0"/>
-              <a:buChar char="•"/>
-            </a:pPr>
-            <a:r>
-              <a:rPr lang="ko-KR" altLang="en-US" dirty="0"/>
-              <a:t>웹 뷰를 통한 동영상 시청</a:t>
-            </a:r>
-            <a:endParaRPr lang="en-US" altLang="ko-KR" dirty="0"/>
-          </a:p>
-          <a:p>
-            <a:pPr marL="800100" lvl="1" indent="-342900">
-              <a:buFont typeface="Arial" panose="020B0604020202020204" pitchFamily="34" charset="0"/>
-              <a:buChar char="•"/>
-            </a:pPr>
-            <a:r>
-              <a:rPr lang="ko-KR" altLang="en-US" dirty="0"/>
-              <a:t>소켓을 통한 </a:t>
-            </a:r>
-            <a:r>
-              <a:rPr lang="ko-KR" altLang="en-US" dirty="0" err="1"/>
-              <a:t>라즈베리파이와</a:t>
-            </a:r>
-            <a:r>
-              <a:rPr lang="ko-KR" altLang="en-US" dirty="0"/>
-              <a:t> 통신</a:t>
-            </a:r>
-            <a:endParaRPr lang="en-US" altLang="ko-KR" dirty="0"/>
-          </a:p>
-          <a:p>
-            <a:pPr marL="800100" lvl="1" indent="-342900">
-              <a:buFont typeface="Arial" panose="020B0604020202020204" pitchFamily="34" charset="0"/>
-              <a:buChar char="•"/>
-            </a:pPr>
-            <a:r>
-              <a:rPr lang="ko-KR" altLang="en-US" dirty="0"/>
-              <a:t>소켓을 통한 </a:t>
-            </a:r>
-            <a:r>
-              <a:rPr lang="ko-KR" altLang="en-US" dirty="0" err="1"/>
-              <a:t>서보모터</a:t>
-            </a:r>
-            <a:r>
-              <a:rPr lang="ko-KR" altLang="en-US" dirty="0"/>
-              <a:t> 제어</a:t>
-            </a:r>
-            <a:endParaRPr lang="en-US" altLang="ko-KR" dirty="0"/>
-          </a:p>
-          <a:p>
-            <a:pPr marL="800100" lvl="1" indent="-342900">
-              <a:buFont typeface="Arial" panose="020B0604020202020204" pitchFamily="34" charset="0"/>
-              <a:buChar char="•"/>
-            </a:pPr>
-            <a:endParaRPr lang="en-US" altLang="ko-KR" dirty="0"/>
-          </a:p>
-          <a:p>
-            <a:pPr marL="342900" indent="-342900">
-              <a:buFont typeface="+mj-lt"/>
-              <a:buAutoNum type="arabicPeriod"/>
-            </a:pPr>
-            <a:r>
-              <a:rPr lang="en-US" altLang="ko-KR" dirty="0"/>
-              <a:t>Firebase</a:t>
-            </a:r>
-          </a:p>
-          <a:p>
-            <a:pPr marL="800100" lvl="1" indent="-342900">
-              <a:buFont typeface="Arial" panose="020B0604020202020204" pitchFamily="34" charset="0"/>
-              <a:buChar char="•"/>
-            </a:pPr>
-            <a:r>
-              <a:rPr lang="en-US" altLang="ko-KR" dirty="0"/>
-              <a:t>FCM</a:t>
-            </a:r>
-            <a:r>
-              <a:rPr lang="ko-KR" altLang="en-US" dirty="0"/>
-              <a:t>을 이용한 메시지 푸시 알림</a:t>
-            </a:r>
-            <a:endParaRPr lang="en-US" altLang="ko-KR" dirty="0"/>
-          </a:p>
-          <a:p>
-            <a:pPr marL="800100" lvl="1" indent="-342900">
-              <a:buFont typeface="Arial" panose="020B0604020202020204" pitchFamily="34" charset="0"/>
-              <a:buChar char="•"/>
-            </a:pPr>
-            <a:r>
-              <a:rPr lang="ko-KR" altLang="en-US" dirty="0"/>
-              <a:t>데이터베이스에 디바이스 토큰 값 저장</a:t>
-            </a:r>
-            <a:endParaRPr lang="en-US" altLang="ko-KR" dirty="0"/>
-          </a:p>
-        </p:txBody>
-      </p:sp>
+      </p:pic>
+      <p:pic>
+        <p:nvPicPr>
+          <p:cNvPr id="8" name="그림 7">
+            <a:extLst>
+              <a:ext uri="{FF2B5EF4-FFF2-40B4-BE49-F238E27FC236}">
+                <a16:creationId xmlns:a16="http://schemas.microsoft.com/office/drawing/2014/main" id="{81300071-9679-4D32-8544-6A7C0ED043E8}"/>
+              </a:ext>
+            </a:extLst>
+          </p:cNvPr>
+          <p:cNvPicPr>
+            <a:picLocks noChangeAspect="1"/>
+          </p:cNvPicPr>
+          <p:nvPr/>
+        </p:nvPicPr>
+        <p:blipFill>
+          <a:blip r:embed="rId4" cstate="print">
+            <a:extLst>
+              <a:ext uri="{28A0092B-C50C-407E-A947-70E740481C1C}">
+                <a14:useLocalDpi xmlns:a14="http://schemas.microsoft.com/office/drawing/2010/main" val="0"/>
+              </a:ext>
+            </a:extLst>
+          </a:blip>
+          <a:stretch>
+            <a:fillRect/>
+          </a:stretch>
+        </p:blipFill>
+        <p:spPr>
+          <a:xfrm>
+            <a:off x="5465039" y="1978701"/>
+            <a:ext cx="2897911" cy="1476066"/>
+          </a:xfrm>
+          <a:prstGeom prst="rect">
+            <a:avLst/>
+          </a:prstGeom>
+        </p:spPr>
+      </p:pic>
+      <p:pic>
+        <p:nvPicPr>
+          <p:cNvPr id="16" name="그림 15">
+            <a:extLst>
+              <a:ext uri="{FF2B5EF4-FFF2-40B4-BE49-F238E27FC236}">
+                <a16:creationId xmlns:a16="http://schemas.microsoft.com/office/drawing/2014/main" id="{A074002B-7219-4CAC-8E2D-EE6AD11BD934}"/>
+              </a:ext>
+            </a:extLst>
+          </p:cNvPr>
+          <p:cNvPicPr>
+            <a:picLocks noChangeAspect="1"/>
+          </p:cNvPicPr>
+          <p:nvPr/>
+        </p:nvPicPr>
+        <p:blipFill>
+          <a:blip r:embed="rId5" cstate="print">
+            <a:extLst>
+              <a:ext uri="{28A0092B-C50C-407E-A947-70E740481C1C}">
+                <a14:useLocalDpi xmlns:a14="http://schemas.microsoft.com/office/drawing/2010/main" val="0"/>
+              </a:ext>
+            </a:extLst>
+          </a:blip>
+          <a:stretch>
+            <a:fillRect/>
+          </a:stretch>
+        </p:blipFill>
+        <p:spPr>
+          <a:xfrm>
+            <a:off x="2019081" y="5350414"/>
+            <a:ext cx="1809969" cy="807460"/>
+          </a:xfrm>
+          <a:prstGeom prst="rect">
+            <a:avLst/>
+          </a:prstGeom>
+        </p:spPr>
+      </p:pic>
+      <p:pic>
+        <p:nvPicPr>
+          <p:cNvPr id="18" name="그림 17">
+            <a:extLst>
+              <a:ext uri="{FF2B5EF4-FFF2-40B4-BE49-F238E27FC236}">
+                <a16:creationId xmlns:a16="http://schemas.microsoft.com/office/drawing/2014/main" id="{7E62D3C1-014D-4B2C-8B46-FE071B322937}"/>
+              </a:ext>
+            </a:extLst>
+          </p:cNvPr>
+          <p:cNvPicPr>
+            <a:picLocks noChangeAspect="1"/>
+          </p:cNvPicPr>
+          <p:nvPr/>
+        </p:nvPicPr>
+        <p:blipFill>
+          <a:blip r:embed="rId6" cstate="print">
+            <a:extLst>
+              <a:ext uri="{28A0092B-C50C-407E-A947-70E740481C1C}">
+                <a14:useLocalDpi xmlns:a14="http://schemas.microsoft.com/office/drawing/2010/main" val="0"/>
+              </a:ext>
+            </a:extLst>
+          </a:blip>
+          <a:stretch>
+            <a:fillRect/>
+          </a:stretch>
+        </p:blipFill>
+        <p:spPr>
+          <a:xfrm>
+            <a:off x="5388812" y="4811835"/>
+            <a:ext cx="2126413" cy="1218798"/>
+          </a:xfrm>
+          <a:prstGeom prst="rect">
+            <a:avLst/>
+          </a:prstGeom>
+        </p:spPr>
+      </p:pic>
     </p:spTree>
     <p:extLst>
       <p:ext uri="{BB962C8B-B14F-4D97-AF65-F5344CB8AC3E}">
-        <p14:creationId xmlns:p14="http://schemas.microsoft.com/office/powerpoint/2010/main" val="195508812"/>
+        <p14:creationId xmlns:p14="http://schemas.microsoft.com/office/powerpoint/2010/main" val="2842446449"/>
       </p:ext>
     </p:extLst>
   </p:cSld>
@@ -5265,7 +5302,7 @@
                 <a:latin typeface="나눔고딕" pitchFamily="50" charset="-127"/>
                 <a:ea typeface="나눔고딕" pitchFamily="50" charset="-127"/>
               </a:rPr>
-              <a:t>5.</a:t>
+              <a:t>4.</a:t>
             </a:r>
             <a:r>
               <a:rPr lang="ko-KR" altLang="en-US" sz="800" spc="-30" dirty="0">
@@ -5278,7 +5315,7 @@
                 <a:latin typeface="나눔고딕" pitchFamily="50" charset="-127"/>
                 <a:ea typeface="나눔고딕" pitchFamily="50" charset="-127"/>
               </a:rPr>
-              <a:t>개발 현황 </a:t>
+              <a:t>개발 환경 및 개발 방법 </a:t>
             </a:r>
             <a:endParaRPr lang="en-US" altLang="ko-KR" sz="800" spc="-30" dirty="0">
               <a:solidFill>
@@ -5368,7 +5405,7 @@
                 <a:latin typeface="+mj-ea"/>
                 <a:ea typeface="+mj-ea"/>
               </a:rPr>
-              <a:t>개발 현황</a:t>
+              <a:t>개발 환경 및 개발 방법</a:t>
             </a:r>
             <a:endParaRPr lang="en-US" altLang="ko-KR" sz="4000" b="1" spc="-50" dirty="0">
               <a:solidFill>
@@ -5431,7 +5468,7 @@
                 <a:latin typeface="나눔고딕" pitchFamily="50" charset="-127"/>
                 <a:ea typeface="나눔고딕" pitchFamily="50" charset="-127"/>
               </a:rPr>
-              <a:t> / 16</a:t>
+              <a:t> / 17</a:t>
             </a:r>
           </a:p>
         </p:txBody>
@@ -5444,8 +5481,8 @@
         </p:nvSpPr>
         <p:spPr>
           <a:xfrm>
-            <a:off x="393278" y="1922633"/>
-            <a:ext cx="8349049" cy="3362780"/>
+            <a:off x="393278" y="1687949"/>
+            <a:ext cx="8349049" cy="3970318"/>
           </a:xfrm>
           <a:prstGeom prst="rect">
             <a:avLst/>
@@ -5458,125 +5495,173 @@
           <a:lstStyle/>
           <a:p>
             <a:pPr marL="342900" indent="-342900">
-              <a:lnSpc>
-                <a:spcPct val="150000"/>
-              </a:lnSpc>
-              <a:buFont typeface="Wingdings" panose="05000000000000000000" pitchFamily="2" charset="2"/>
-              <a:buChar char="Ø"/>
+              <a:buFont typeface="+mj-lt"/>
+              <a:buAutoNum type="arabicPeriod"/>
             </a:pPr>
             <a:r>
-              <a:rPr lang="ko-KR" altLang="en-US" dirty="0"/>
-              <a:t>개발 완료한 기능</a:t>
+              <a:rPr lang="en-US" altLang="ko-KR" dirty="0" err="1"/>
+              <a:t>RaspberryPI</a:t>
             </a:r>
             <a:endParaRPr lang="en-US" altLang="ko-KR" dirty="0"/>
           </a:p>
           <a:p>
-            <a:pPr marL="742950" lvl="1" indent="-285750">
-              <a:lnSpc>
-                <a:spcPct val="150000"/>
-              </a:lnSpc>
+            <a:pPr marL="800100" lvl="1" indent="-342900">
               <a:buFont typeface="Arial" panose="020B0604020202020204" pitchFamily="34" charset="0"/>
               <a:buChar char="•"/>
             </a:pPr>
             <a:r>
+              <a:rPr lang="en-US" altLang="ko-KR" dirty="0"/>
+              <a:t>Flask</a:t>
+            </a:r>
+            <a:r>
               <a:rPr lang="ko-KR" altLang="en-US" dirty="0"/>
-              <a:t>애플리케이션을 통해 실시간 영상 시청 가능</a:t>
-            </a:r>
-            <a:endParaRPr lang="en-US" altLang="ko-KR" sz="900" dirty="0"/>
-          </a:p>
-          <a:p>
-            <a:pPr marL="742950" lvl="1" indent="-285750">
-              <a:lnSpc>
-                <a:spcPct val="150000"/>
-              </a:lnSpc>
+              <a:t>를 이용한 웹 서버 구현</a:t>
+            </a:r>
+            <a:endParaRPr lang="en-US" altLang="ko-KR" dirty="0"/>
+          </a:p>
+          <a:p>
+            <a:pPr marL="800100" lvl="1" indent="-342900">
               <a:buFont typeface="Arial" panose="020B0604020202020204" pitchFamily="34" charset="0"/>
               <a:buChar char="•"/>
             </a:pPr>
             <a:r>
+              <a:rPr lang="en-US" altLang="ko-KR" dirty="0"/>
+              <a:t>Open CV</a:t>
+            </a:r>
+            <a:r>
               <a:rPr lang="ko-KR" altLang="en-US" dirty="0"/>
-              <a:t>애플리케이션을 통해 </a:t>
-            </a:r>
-            <a:r>
-              <a:rPr lang="ko-KR" altLang="en-US" dirty="0" err="1"/>
-              <a:t>서보</a:t>
-            </a:r>
-            <a:r>
-              <a:rPr lang="ko-KR" altLang="en-US" dirty="0"/>
-              <a:t> 모터 조정 가능</a:t>
+              <a:t>를 이용한 이미지 캡처 및 모션 인식</a:t>
             </a:r>
             <a:endParaRPr lang="en-US" altLang="ko-KR" dirty="0"/>
           </a:p>
           <a:p>
-            <a:pPr marL="742950" lvl="1" indent="-285750">
-              <a:lnSpc>
-                <a:spcPct val="150000"/>
-              </a:lnSpc>
+            <a:pPr marL="800100" lvl="1" indent="-342900">
               <a:buFont typeface="Arial" panose="020B0604020202020204" pitchFamily="34" charset="0"/>
               <a:buChar char="•"/>
             </a:pPr>
             <a:r>
               <a:rPr lang="ko-KR" altLang="en-US" dirty="0"/>
-              <a:t>움직임 감지 시 애플리케이션으로 푸시 알림</a:t>
+              <a:t>모션 감지 시 이미지 캡처 및 메시지 푸시 요청</a:t>
             </a:r>
             <a:endParaRPr lang="en-US" altLang="ko-KR" dirty="0"/>
           </a:p>
           <a:p>
-            <a:pPr marL="742950" lvl="1" indent="-285750">
-              <a:lnSpc>
-                <a:spcPct val="150000"/>
-              </a:lnSpc>
+            <a:pPr marL="800100" lvl="1" indent="-342900">
               <a:buFont typeface="Arial" panose="020B0604020202020204" pitchFamily="34" charset="0"/>
               <a:buChar char="•"/>
             </a:pPr>
             <a:r>
               <a:rPr lang="ko-KR" altLang="en-US" dirty="0"/>
-              <a:t>움직임 감지 시 이미지 캡처 후 저장</a:t>
+              <a:t>쓰레드를 이용하여 소켓 구동</a:t>
             </a:r>
             <a:endParaRPr lang="en-US" altLang="ko-KR" dirty="0"/>
           </a:p>
           <a:p>
             <a:pPr marL="342900" indent="-342900">
-              <a:lnSpc>
-                <a:spcPct val="150000"/>
-              </a:lnSpc>
-              <a:buFont typeface="Wingdings" panose="05000000000000000000" pitchFamily="2" charset="2"/>
-              <a:buChar char="Ø"/>
+              <a:buFont typeface="+mj-lt"/>
+              <a:buAutoNum type="arabicPeriod"/>
             </a:pPr>
             <a:endParaRPr lang="en-US" altLang="ko-KR" dirty="0"/>
           </a:p>
           <a:p>
             <a:pPr marL="342900" indent="-342900">
-              <a:lnSpc>
-                <a:spcPct val="150000"/>
-              </a:lnSpc>
-              <a:buFont typeface="Wingdings" panose="05000000000000000000" pitchFamily="2" charset="2"/>
-              <a:buChar char="Ø"/>
+              <a:buFont typeface="+mj-lt"/>
+              <a:buAutoNum type="arabicPeriod"/>
             </a:pPr>
             <a:r>
-              <a:rPr lang="ko-KR" altLang="en-US" dirty="0"/>
-              <a:t>개발할 기능</a:t>
-            </a:r>
-            <a:endParaRPr lang="en-US" altLang="ko-KR" dirty="0"/>
+              <a:rPr lang="en-US" altLang="ko-KR" dirty="0"/>
+              <a:t>Application</a:t>
+            </a:r>
           </a:p>
           <a:p>
             <a:pPr marL="800100" lvl="1" indent="-342900">
-              <a:lnSpc>
-                <a:spcPct val="150000"/>
-              </a:lnSpc>
               <a:buFont typeface="Arial" panose="020B0604020202020204" pitchFamily="34" charset="0"/>
               <a:buChar char="•"/>
             </a:pPr>
             <a:r>
               <a:rPr lang="ko-KR" altLang="en-US" dirty="0"/>
-              <a:t>가족 및 지인에게 </a:t>
-            </a:r>
+              <a:t>웹 뷰를 통한 동영상 시청</a:t>
+            </a:r>
+            <a:endParaRPr lang="en-US" altLang="ko-KR" dirty="0"/>
+          </a:p>
+          <a:p>
+            <a:pPr marL="800100" lvl="1" indent="-342900">
+              <a:buFont typeface="Arial" panose="020B0604020202020204" pitchFamily="34" charset="0"/>
+              <a:buChar char="•"/>
+            </a:pPr>
+            <a:r>
+              <a:rPr lang="ko-KR" altLang="en-US" dirty="0"/>
+              <a:t>소켓을 통한 </a:t>
+            </a:r>
+            <a:r>
+              <a:rPr lang="ko-KR" altLang="en-US" dirty="0" err="1"/>
+              <a:t>라즈베리파이와</a:t>
+            </a:r>
+            <a:r>
+              <a:rPr lang="ko-KR" altLang="en-US" dirty="0"/>
+              <a:t> 통신</a:t>
+            </a:r>
+            <a:endParaRPr lang="en-US" altLang="ko-KR" dirty="0"/>
+          </a:p>
+          <a:p>
+            <a:pPr marL="800100" lvl="1" indent="-342900">
+              <a:buFont typeface="Arial" panose="020B0604020202020204" pitchFamily="34" charset="0"/>
+              <a:buChar char="•"/>
+            </a:pPr>
+            <a:r>
+              <a:rPr lang="ko-KR" altLang="en-US" dirty="0"/>
+              <a:t>소켓을 통한 </a:t>
+            </a:r>
+            <a:r>
+              <a:rPr lang="ko-KR" altLang="en-US" dirty="0" err="1"/>
+              <a:t>서보모터</a:t>
+            </a:r>
+            <a:r>
+              <a:rPr lang="ko-KR" altLang="en-US" dirty="0"/>
+              <a:t> 제어</a:t>
+            </a:r>
+            <a:endParaRPr lang="en-US" altLang="ko-KR" dirty="0"/>
+          </a:p>
+          <a:p>
+            <a:pPr marL="800100" lvl="1" indent="-342900">
+              <a:buFont typeface="Arial" panose="020B0604020202020204" pitchFamily="34" charset="0"/>
+              <a:buChar char="•"/>
+            </a:pPr>
+            <a:endParaRPr lang="en-US" altLang="ko-KR" dirty="0"/>
+          </a:p>
+          <a:p>
+            <a:pPr marL="342900" indent="-342900">
+              <a:buFont typeface="+mj-lt"/>
+              <a:buAutoNum type="arabicPeriod"/>
+            </a:pPr>
             <a:r>
               <a:rPr lang="en-US" altLang="ko-KR" dirty="0"/>
-              <a:t>SMS </a:t>
+              <a:t>Firebase</a:t>
+            </a:r>
+          </a:p>
+          <a:p>
+            <a:pPr marL="800100" lvl="1" indent="-342900">
+              <a:buFont typeface="Arial" panose="020B0604020202020204" pitchFamily="34" charset="0"/>
+              <a:buChar char="•"/>
+            </a:pPr>
+            <a:r>
+              <a:rPr lang="en-US" altLang="ko-KR" dirty="0"/>
+              <a:t>FCM</a:t>
             </a:r>
             <a:r>
               <a:rPr lang="ko-KR" altLang="en-US" dirty="0"/>
-              <a:t>발송 기능</a:t>
+              <a:t>을 이용한 메시지 푸시 알림</a:t>
+            </a:r>
+            <a:endParaRPr lang="en-US" altLang="ko-KR" dirty="0"/>
+          </a:p>
+          <a:p>
+            <a:pPr marL="800100" lvl="1" indent="-342900">
+              <a:buFont typeface="Arial" panose="020B0604020202020204" pitchFamily="34" charset="0"/>
+              <a:buChar char="•"/>
+            </a:pPr>
+            <a:r>
+              <a:rPr lang="ko-KR" altLang="en-US" dirty="0"/>
+              <a:t>데이터베이스에 디바이스 토큰 값 저장</a:t>
             </a:r>
             <a:endParaRPr lang="en-US" altLang="ko-KR" dirty="0"/>
           </a:p>
@@ -5585,7 +5670,7 @@
     </p:spTree>
     <p:extLst>
       <p:ext uri="{BB962C8B-B14F-4D97-AF65-F5344CB8AC3E}">
-        <p14:creationId xmlns:p14="http://schemas.microsoft.com/office/powerpoint/2010/main" val="1937889721"/>
+        <p14:creationId xmlns:p14="http://schemas.microsoft.com/office/powerpoint/2010/main" val="195508812"/>
       </p:ext>
     </p:extLst>
   </p:cSld>
@@ -5645,7 +5730,7 @@
                 <a:latin typeface="나눔고딕" pitchFamily="50" charset="-127"/>
                 <a:ea typeface="나눔고딕" pitchFamily="50" charset="-127"/>
               </a:rPr>
-              <a:t>6. </a:t>
+              <a:t>5.</a:t>
             </a:r>
             <a:r>
               <a:rPr lang="ko-KR" altLang="en-US" sz="800" spc="-30" dirty="0">
@@ -5658,7 +5743,7 @@
                 <a:latin typeface="나눔고딕" pitchFamily="50" charset="-127"/>
                 <a:ea typeface="나눔고딕" pitchFamily="50" charset="-127"/>
               </a:rPr>
-              <a:t>업무 분담 </a:t>
+              <a:t>개발 현황 </a:t>
             </a:r>
             <a:endParaRPr lang="en-US" altLang="ko-KR" sz="800" spc="-30" dirty="0">
               <a:solidFill>
@@ -5748,7 +5833,7 @@
                 <a:latin typeface="+mj-ea"/>
                 <a:ea typeface="+mj-ea"/>
               </a:rPr>
-              <a:t>업무 분담</a:t>
+              <a:t>개발 현황</a:t>
             </a:r>
             <a:endParaRPr lang="en-US" altLang="ko-KR" sz="4000" b="1" spc="-50" dirty="0">
               <a:solidFill>
@@ -5811,7 +5896,409 @@
                 <a:latin typeface="나눔고딕" pitchFamily="50" charset="-127"/>
                 <a:ea typeface="나눔고딕" pitchFamily="50" charset="-127"/>
               </a:rPr>
-              <a:t> / 16</a:t>
+              <a:t> / 17</a:t>
+            </a:r>
+          </a:p>
+        </p:txBody>
+      </p:sp>
+      <p:sp>
+        <p:nvSpPr>
+          <p:cNvPr id="3" name="직사각형 2"/>
+          <p:cNvSpPr/>
+          <p:nvPr/>
+        </p:nvSpPr>
+        <p:spPr>
+          <a:xfrm>
+            <a:off x="393278" y="1922633"/>
+            <a:ext cx="8349049" cy="3778278"/>
+          </a:xfrm>
+          <a:prstGeom prst="rect">
+            <a:avLst/>
+          </a:prstGeom>
+        </p:spPr>
+        <p:txBody>
+          <a:bodyPr wrap="square">
+            <a:spAutoFit/>
+          </a:bodyPr>
+          <a:lstStyle/>
+          <a:p>
+            <a:pPr marL="342900" indent="-342900">
+              <a:lnSpc>
+                <a:spcPct val="150000"/>
+              </a:lnSpc>
+              <a:buFont typeface="Wingdings" panose="05000000000000000000" pitchFamily="2" charset="2"/>
+              <a:buChar char="Ø"/>
+            </a:pPr>
+            <a:r>
+              <a:rPr lang="ko-KR" altLang="en-US" dirty="0"/>
+              <a:t>개발 완료한 기능</a:t>
+            </a:r>
+            <a:endParaRPr lang="en-US" altLang="ko-KR" dirty="0"/>
+          </a:p>
+          <a:p>
+            <a:pPr marL="742950" lvl="1" indent="-285750">
+              <a:lnSpc>
+                <a:spcPct val="150000"/>
+              </a:lnSpc>
+              <a:buFont typeface="Arial" panose="020B0604020202020204" pitchFamily="34" charset="0"/>
+              <a:buChar char="•"/>
+            </a:pPr>
+            <a:r>
+              <a:rPr lang="ko-KR" altLang="en-US" dirty="0"/>
+              <a:t>애플리케이션을 통해 실시간 영상 시청 가능</a:t>
+            </a:r>
+            <a:endParaRPr lang="en-US" altLang="ko-KR" sz="900" dirty="0"/>
+          </a:p>
+          <a:p>
+            <a:pPr marL="742950" lvl="1" indent="-285750">
+              <a:lnSpc>
+                <a:spcPct val="150000"/>
+              </a:lnSpc>
+              <a:buFont typeface="Arial" panose="020B0604020202020204" pitchFamily="34" charset="0"/>
+              <a:buChar char="•"/>
+            </a:pPr>
+            <a:r>
+              <a:rPr lang="ko-KR" altLang="en-US" dirty="0"/>
+              <a:t>애플리케이션을 통해 </a:t>
+            </a:r>
+            <a:r>
+              <a:rPr lang="ko-KR" altLang="en-US" dirty="0" err="1"/>
+              <a:t>서보</a:t>
+            </a:r>
+            <a:r>
+              <a:rPr lang="ko-KR" altLang="en-US" dirty="0"/>
+              <a:t> 모터 조정 가능</a:t>
+            </a:r>
+            <a:endParaRPr lang="en-US" altLang="ko-KR" dirty="0"/>
+          </a:p>
+          <a:p>
+            <a:pPr marL="742950" lvl="1" indent="-285750">
+              <a:lnSpc>
+                <a:spcPct val="150000"/>
+              </a:lnSpc>
+              <a:buFont typeface="Arial" panose="020B0604020202020204" pitchFamily="34" charset="0"/>
+              <a:buChar char="•"/>
+            </a:pPr>
+            <a:r>
+              <a:rPr lang="ko-KR" altLang="en-US" dirty="0"/>
+              <a:t>움직임 감지 시 애플리케이션으로 푸시 알림</a:t>
+            </a:r>
+            <a:endParaRPr lang="en-US" altLang="ko-KR" dirty="0"/>
+          </a:p>
+          <a:p>
+            <a:pPr marL="742950" lvl="1" indent="-285750">
+              <a:lnSpc>
+                <a:spcPct val="150000"/>
+              </a:lnSpc>
+              <a:buFont typeface="Arial" panose="020B0604020202020204" pitchFamily="34" charset="0"/>
+              <a:buChar char="•"/>
+            </a:pPr>
+            <a:r>
+              <a:rPr lang="ko-KR" altLang="en-US" dirty="0"/>
+              <a:t>움직임 감지 시 이미지 캡처 후 저장</a:t>
+            </a:r>
+            <a:endParaRPr lang="en-US" altLang="ko-KR" dirty="0"/>
+          </a:p>
+          <a:p>
+            <a:pPr marL="742950" lvl="1" indent="-285750">
+              <a:lnSpc>
+                <a:spcPct val="150000"/>
+              </a:lnSpc>
+              <a:buFont typeface="Arial" panose="020B0604020202020204" pitchFamily="34" charset="0"/>
+              <a:buChar char="•"/>
+            </a:pPr>
+            <a:r>
+              <a:rPr lang="ko-KR" altLang="en-US" dirty="0"/>
+              <a:t>지인에게 </a:t>
+            </a:r>
+            <a:r>
+              <a:rPr lang="en-US" altLang="ko-KR" dirty="0"/>
+              <a:t>SMS</a:t>
+            </a:r>
+            <a:r>
+              <a:rPr lang="ko-KR" altLang="en-US" dirty="0"/>
+              <a:t> 발송 기능</a:t>
+            </a:r>
+            <a:endParaRPr lang="en-US" altLang="ko-KR" dirty="0"/>
+          </a:p>
+          <a:p>
+            <a:pPr marL="342900" indent="-342900">
+              <a:lnSpc>
+                <a:spcPct val="150000"/>
+              </a:lnSpc>
+              <a:buFont typeface="Wingdings" panose="05000000000000000000" pitchFamily="2" charset="2"/>
+              <a:buChar char="Ø"/>
+            </a:pPr>
+            <a:endParaRPr lang="en-US" altLang="ko-KR" dirty="0"/>
+          </a:p>
+          <a:p>
+            <a:pPr marL="342900" indent="-342900">
+              <a:lnSpc>
+                <a:spcPct val="150000"/>
+              </a:lnSpc>
+              <a:buFont typeface="Wingdings" panose="05000000000000000000" pitchFamily="2" charset="2"/>
+              <a:buChar char="Ø"/>
+            </a:pPr>
+            <a:r>
+              <a:rPr lang="ko-KR" altLang="en-US" dirty="0"/>
+              <a:t>개발할 기능</a:t>
+            </a:r>
+            <a:endParaRPr lang="en-US" altLang="ko-KR" dirty="0"/>
+          </a:p>
+          <a:p>
+            <a:pPr marL="800100" lvl="1" indent="-342900">
+              <a:lnSpc>
+                <a:spcPct val="150000"/>
+              </a:lnSpc>
+              <a:buFont typeface="Arial" panose="020B0604020202020204" pitchFamily="34" charset="0"/>
+              <a:buChar char="•"/>
+            </a:pPr>
+            <a:r>
+              <a:rPr lang="ko-KR" altLang="en-US" dirty="0"/>
+              <a:t>모션에 따라 추적해 갈 수 있도록 자동 </a:t>
+            </a:r>
+            <a:r>
+              <a:rPr lang="en-US" altLang="ko-KR" dirty="0"/>
+              <a:t>Tracking </a:t>
+            </a:r>
+            <a:r>
+              <a:rPr lang="ko-KR" altLang="en-US" dirty="0"/>
+              <a:t>시도</a:t>
+            </a:r>
+            <a:endParaRPr lang="en-US" altLang="ko-KR" dirty="0"/>
+          </a:p>
+        </p:txBody>
+      </p:sp>
+    </p:spTree>
+    <p:extLst>
+      <p:ext uri="{BB962C8B-B14F-4D97-AF65-F5344CB8AC3E}">
+        <p14:creationId xmlns:p14="http://schemas.microsoft.com/office/powerpoint/2010/main" val="1937889721"/>
+      </p:ext>
+    </p:extLst>
+  </p:cSld>
+  <p:clrMapOvr>
+    <a:masterClrMapping/>
+  </p:clrMapOvr>
+</p:sld>
+</file>
+
+<file path=ppt/slides/slide13.xml><?xml version="1.0" encoding="utf-8"?>
+<p:sld xmlns:a="http://schemas.openxmlformats.org/drawingml/2006/main" xmlns:r="http://schemas.openxmlformats.org/officeDocument/2006/relationships" xmlns:p="http://schemas.openxmlformats.org/presentationml/2006/main">
+  <p:cSld>
+    <p:spTree>
+      <p:nvGrpSpPr>
+        <p:cNvPr id="1" name=""/>
+        <p:cNvGrpSpPr/>
+        <p:nvPr/>
+      </p:nvGrpSpPr>
+      <p:grpSpPr>
+        <a:xfrm>
+          <a:off x="0" y="0"/>
+          <a:ext cx="0" cy="0"/>
+          <a:chOff x="0" y="0"/>
+          <a:chExt cx="0" cy="0"/>
+        </a:xfrm>
+      </p:grpSpPr>
+      <p:sp>
+        <p:nvSpPr>
+          <p:cNvPr id="5" name="TextBox 4"/>
+          <p:cNvSpPr txBox="1"/>
+          <p:nvPr/>
+        </p:nvSpPr>
+        <p:spPr>
+          <a:xfrm>
+            <a:off x="263455" y="195231"/>
+            <a:ext cx="1584176" cy="215444"/>
+          </a:xfrm>
+          <a:prstGeom prst="rect">
+            <a:avLst/>
+          </a:prstGeom>
+          <a:noFill/>
+        </p:spPr>
+        <p:txBody>
+          <a:bodyPr wrap="square" rtlCol="0">
+            <a:spAutoFit/>
+          </a:bodyPr>
+          <a:lstStyle/>
+          <a:p>
+            <a:r>
+              <a:rPr lang="en-US" altLang="ko-KR" sz="800" spc="-30" dirty="0">
+                <a:solidFill>
+                  <a:schemeClr val="tx1">
+                    <a:lumMod val="95000"/>
+                    <a:lumOff val="5000"/>
+                  </a:schemeClr>
+                </a:solidFill>
+                <a:latin typeface="나눔고딕" pitchFamily="50" charset="-127"/>
+                <a:ea typeface="나눔고딕" pitchFamily="50" charset="-127"/>
+              </a:rPr>
+              <a:t>6. </a:t>
+            </a:r>
+            <a:r>
+              <a:rPr lang="ko-KR" altLang="en-US" sz="800" spc="-30" dirty="0">
+                <a:solidFill>
+                  <a:schemeClr val="tx1">
+                    <a:lumMod val="95000"/>
+                    <a:lumOff val="5000"/>
+                  </a:schemeClr>
+                </a:solidFill>
+                <a:latin typeface="나눔고딕" pitchFamily="50" charset="-127"/>
+                <a:ea typeface="나눔고딕" pitchFamily="50" charset="-127"/>
+              </a:rPr>
+              <a:t>업무 분담 </a:t>
+            </a:r>
+            <a:endParaRPr lang="en-US" altLang="ko-KR" sz="800" spc="-30" dirty="0">
+              <a:solidFill>
+                <a:schemeClr val="tx1">
+                  <a:lumMod val="95000"/>
+                  <a:lumOff val="5000"/>
+                </a:schemeClr>
+              </a:solidFill>
+              <a:latin typeface="나눔고딕" pitchFamily="50" charset="-127"/>
+              <a:ea typeface="나눔고딕" pitchFamily="50" charset="-127"/>
+            </a:endParaRPr>
+          </a:p>
+        </p:txBody>
+      </p:sp>
+      <p:cxnSp>
+        <p:nvCxnSpPr>
+          <p:cNvPr id="20" name="직선 연결선 19"/>
+          <p:cNvCxnSpPr/>
+          <p:nvPr/>
+        </p:nvCxnSpPr>
+        <p:spPr>
+          <a:xfrm>
+            <a:off x="364803" y="547859"/>
+            <a:ext cx="8406000" cy="0"/>
+          </a:xfrm>
+          <a:prstGeom prst="line">
+            <a:avLst/>
+          </a:prstGeom>
+          <a:ln w="3175">
+            <a:solidFill>
+              <a:schemeClr val="accent4">
+                <a:lumMod val="50000"/>
+              </a:schemeClr>
+            </a:solidFill>
+          </a:ln>
+        </p:spPr>
+        <p:style>
+          <a:lnRef idx="1">
+            <a:schemeClr val="accent1"/>
+          </a:lnRef>
+          <a:fillRef idx="0">
+            <a:schemeClr val="accent1"/>
+          </a:fillRef>
+          <a:effectRef idx="0">
+            <a:schemeClr val="accent1"/>
+          </a:effectRef>
+          <a:fontRef idx="minor">
+            <a:schemeClr val="tx1"/>
+          </a:fontRef>
+        </p:style>
+      </p:cxnSp>
+      <p:sp>
+        <p:nvSpPr>
+          <p:cNvPr id="31" name="제목 1"/>
+          <p:cNvSpPr>
+            <a:spLocks noGrp="1"/>
+          </p:cNvSpPr>
+          <p:nvPr>
+            <p:ph type="title"/>
+          </p:nvPr>
+        </p:nvSpPr>
+        <p:spPr>
+          <a:xfrm>
+            <a:off x="256544" y="700126"/>
+            <a:ext cx="6995120" cy="580926"/>
+          </a:xfrm>
+        </p:spPr>
+        <p:txBody>
+          <a:bodyPr>
+            <a:noAutofit/>
+          </a:bodyPr>
+          <a:lstStyle/>
+          <a:p>
+            <a:pPr algn="l">
+              <a:lnSpc>
+                <a:spcPct val="175000"/>
+              </a:lnSpc>
+            </a:pPr>
+            <a:r>
+              <a:rPr lang="ko-KR" altLang="en-US" sz="4000" b="1" spc="-50" dirty="0">
+                <a:solidFill>
+                  <a:schemeClr val="tx1">
+                    <a:lumMod val="75000"/>
+                    <a:lumOff val="25000"/>
+                  </a:schemeClr>
+                </a:solidFill>
+                <a:latin typeface="+mj-ea"/>
+                <a:ea typeface="+mj-ea"/>
+              </a:rPr>
+              <a:t>업무 분담</a:t>
+            </a:r>
+            <a:endParaRPr lang="en-US" altLang="ko-KR" sz="4000" b="1" spc="-50" dirty="0">
+              <a:solidFill>
+                <a:schemeClr val="tx1">
+                  <a:lumMod val="75000"/>
+                  <a:lumOff val="25000"/>
+                </a:schemeClr>
+              </a:solidFill>
+              <a:latin typeface="+mj-ea"/>
+              <a:ea typeface="+mj-ea"/>
+            </a:endParaRPr>
+          </a:p>
+        </p:txBody>
+      </p:sp>
+      <p:sp>
+        <p:nvSpPr>
+          <p:cNvPr id="9" name="TextBox 8"/>
+          <p:cNvSpPr txBox="1"/>
+          <p:nvPr/>
+        </p:nvSpPr>
+        <p:spPr>
+          <a:xfrm>
+            <a:off x="7277411" y="195231"/>
+            <a:ext cx="1584176" cy="215444"/>
+          </a:xfrm>
+          <a:prstGeom prst="rect">
+            <a:avLst/>
+          </a:prstGeom>
+          <a:noFill/>
+        </p:spPr>
+        <p:txBody>
+          <a:bodyPr wrap="square" rtlCol="0">
+            <a:spAutoFit/>
+          </a:bodyPr>
+          <a:lstStyle/>
+          <a:p>
+            <a:pPr algn="r"/>
+            <a:fld id="{DBA1376A-1BCE-4C3B-85BD-05D751D6B156}" type="slidenum">
+              <a:rPr lang="en-US" altLang="ko-KR" sz="800" spc="-30" smtClean="0">
+                <a:solidFill>
+                  <a:schemeClr val="tx1">
+                    <a:lumMod val="95000"/>
+                    <a:lumOff val="5000"/>
+                  </a:schemeClr>
+                </a:solidFill>
+                <a:latin typeface="나눔고딕" pitchFamily="50" charset="-127"/>
+                <a:ea typeface="나눔고딕" pitchFamily="50" charset="-127"/>
+              </a:rPr>
+              <a:pPr algn="r"/>
+              <a:t>13</a:t>
+            </a:fld>
+            <a:r>
+              <a:rPr lang="en-US" altLang="ko-KR" sz="800" spc="-30" dirty="0">
+                <a:solidFill>
+                  <a:schemeClr val="tx1">
+                    <a:lumMod val="95000"/>
+                    <a:lumOff val="5000"/>
+                  </a:schemeClr>
+                </a:solidFill>
+                <a:latin typeface="나눔고딕" pitchFamily="50" charset="-127"/>
+                <a:ea typeface="나눔고딕" pitchFamily="50" charset="-127"/>
+              </a:rPr>
+              <a:t> / 17</a:t>
             </a:r>
           </a:p>
         </p:txBody>
@@ -7647,7 +8134,7 @@
 </p:sld>
 </file>
 
-<file path=ppt/slides/slide13.xml><?xml version="1.0" encoding="utf-8"?>
+<file path=ppt/slides/slide14.xml><?xml version="1.0" encoding="utf-8"?>
 <p:sld xmlns:a="http://schemas.openxmlformats.org/drawingml/2006/main" xmlns:r="http://schemas.openxmlformats.org/officeDocument/2006/relationships" xmlns:p="http://schemas.openxmlformats.org/presentationml/2006/main">
   <p:cSld>
     <p:spTree>
@@ -9407,7 +9894,7 @@
                 <a:ea typeface="나눔고딕" pitchFamily="50" charset="-127"/>
               </a:rPr>
               <a:pPr algn="r"/>
-              <a:t>13</a:t>
+              <a:t>14</a:t>
             </a:fld>
             <a:r>
               <a:rPr lang="en-US" altLang="ko-KR" sz="800" spc="-30" dirty="0">
@@ -9420,7 +9907,7 @@
                 <a:latin typeface="나눔고딕" pitchFamily="50" charset="-127"/>
                 <a:ea typeface="나눔고딕" pitchFamily="50" charset="-127"/>
               </a:rPr>
-              <a:t> / 16</a:t>
+              <a:t> / 17</a:t>
             </a:r>
           </a:p>
         </p:txBody>
@@ -9781,7 +10268,7 @@
 </p:sld>
 </file>
 
-<file path=ppt/slides/slide14.xml><?xml version="1.0" encoding="utf-8"?>
+<file path=ppt/slides/slide15.xml><?xml version="1.0" encoding="utf-8"?>
 <p:sld xmlns:a="http://schemas.openxmlformats.org/drawingml/2006/main" xmlns:r="http://schemas.openxmlformats.org/officeDocument/2006/relationships" xmlns:p="http://schemas.openxmlformats.org/presentationml/2006/main">
   <p:cSld>
     <p:spTree>
@@ -12414,7 +12901,7 @@
                 <a:ea typeface="나눔고딕" pitchFamily="50" charset="-127"/>
               </a:rPr>
               <a:pPr algn="r"/>
-              <a:t>14</a:t>
+              <a:t>15</a:t>
             </a:fld>
             <a:r>
               <a:rPr lang="en-US" altLang="ko-KR" sz="800" spc="-30" dirty="0">
@@ -12427,7 +12914,7 @@
                 <a:latin typeface="나눔고딕" pitchFamily="50" charset="-127"/>
                 <a:ea typeface="나눔고딕" pitchFamily="50" charset="-127"/>
               </a:rPr>
-              <a:t> / 16</a:t>
+              <a:t> / 17</a:t>
             </a:r>
           </a:p>
         </p:txBody>
@@ -12491,7 +12978,7 @@
 </p:sld>
 </file>
 
-<file path=ppt/slides/slide15.xml><?xml version="1.0" encoding="utf-8"?>
+<file path=ppt/slides/slide16.xml><?xml version="1.0" encoding="utf-8"?>
 <p:sld xmlns:a="http://schemas.openxmlformats.org/drawingml/2006/main" xmlns:r="http://schemas.openxmlformats.org/officeDocument/2006/relationships" xmlns:p="http://schemas.openxmlformats.org/presentationml/2006/main">
   <p:cSld>
     <p:spTree>
@@ -12733,7 +13220,7 @@
                 <a:ea typeface="나눔고딕" pitchFamily="50" charset="-127"/>
               </a:rPr>
               <a:pPr algn="r"/>
-              <a:t>15</a:t>
+              <a:t>16</a:t>
             </a:fld>
             <a:r>
               <a:rPr lang="en-US" altLang="ko-KR" sz="800" spc="-30" dirty="0">
@@ -12746,7 +13233,7 @@
                 <a:latin typeface="나눔고딕" pitchFamily="50" charset="-127"/>
                 <a:ea typeface="나눔고딕" pitchFamily="50" charset="-127"/>
               </a:rPr>
-              <a:t> / 16</a:t>
+              <a:t> / 17</a:t>
             </a:r>
           </a:p>
         </p:txBody>
@@ -13026,7 +13513,7 @@
 </p:sld>
 </file>
 
-<file path=ppt/slides/slide16.xml><?xml version="1.0" encoding="utf-8"?>
+<file path=ppt/slides/slide17.xml><?xml version="1.0" encoding="utf-8"?>
 <p:sld xmlns:a="http://schemas.openxmlformats.org/drawingml/2006/main" xmlns:r="http://schemas.openxmlformats.org/officeDocument/2006/relationships" xmlns:p="http://schemas.openxmlformats.org/presentationml/2006/main">
   <p:cSld>
     <p:spTree>
@@ -14053,7 +14540,7 @@
                 <a:latin typeface="나눔고딕" pitchFamily="50" charset="-127"/>
                 <a:ea typeface="나눔고딕" pitchFamily="50" charset="-127"/>
               </a:rPr>
-              <a:t> / 16</a:t>
+              <a:t> / 17</a:t>
             </a:r>
           </a:p>
         </p:txBody>
@@ -14888,7 +15375,7 @@
                 <a:latin typeface="나눔고딕" pitchFamily="50" charset="-127"/>
                 <a:ea typeface="나눔고딕" pitchFamily="50" charset="-127"/>
               </a:rPr>
-              <a:t> / 16</a:t>
+              <a:t> / 17</a:t>
             </a:r>
           </a:p>
         </p:txBody>
@@ -15585,7 +16072,7 @@
                 <a:latin typeface="나눔고딕" pitchFamily="50" charset="-127"/>
                 <a:ea typeface="나눔고딕" pitchFamily="50" charset="-127"/>
               </a:rPr>
-              <a:t> / 16</a:t>
+              <a:t> / 17</a:t>
             </a:r>
           </a:p>
         </p:txBody>
@@ -16331,7 +16818,7 @@
                 <a:latin typeface="나눔고딕" pitchFamily="50" charset="-127"/>
                 <a:ea typeface="나눔고딕" pitchFamily="50" charset="-127"/>
               </a:rPr>
-              <a:t> / 16</a:t>
+              <a:t> / 17</a:t>
             </a:r>
           </a:p>
         </p:txBody>
@@ -16511,6 +16998,593 @@
       </p:sp>
       <p:sp>
         <p:nvSpPr>
+          <p:cNvPr id="10" name="내용 개체 틀 2">
+            <a:extLst>
+              <a:ext uri="{FF2B5EF4-FFF2-40B4-BE49-F238E27FC236}">
+                <a16:creationId xmlns:a16="http://schemas.microsoft.com/office/drawing/2014/main" id="{4DCFAABF-2D7B-44D1-B704-A3BEC3A21182}"/>
+              </a:ext>
+            </a:extLst>
+          </p:cNvPr>
+          <p:cNvSpPr>
+            <a:spLocks noGrp="1"/>
+          </p:cNvSpPr>
+          <p:nvPr>
+            <p:ph idx="1"/>
+          </p:nvPr>
+        </p:nvSpPr>
+        <p:spPr>
+          <a:xfrm>
+            <a:off x="457199" y="2589024"/>
+            <a:ext cx="7878727" cy="2110565"/>
+          </a:xfrm>
+        </p:spPr>
+        <p:txBody>
+          <a:bodyPr>
+            <a:normAutofit/>
+          </a:bodyPr>
+          <a:lstStyle/>
+          <a:p>
+            <a:r>
+              <a:rPr lang="ko-KR" altLang="en-US" sz="1800" dirty="0">
+                <a:latin typeface="+mn-ea"/>
+                <a:ea typeface="+mn-ea"/>
+              </a:rPr>
+              <a:t>지난 발표에서의 지적 사항</a:t>
+            </a:r>
+            <a:endParaRPr lang="en-US" altLang="ko-KR" sz="1800" dirty="0">
+              <a:latin typeface="+mn-ea"/>
+              <a:ea typeface="+mn-ea"/>
+            </a:endParaRPr>
+          </a:p>
+          <a:p>
+            <a:pPr lvl="1"/>
+            <a:r>
+              <a:rPr lang="ko-KR" altLang="en-US" sz="1600" dirty="0">
+                <a:latin typeface="+mn-ea"/>
+                <a:ea typeface="+mn-ea"/>
+              </a:rPr>
+              <a:t>모션에 따라 추적해 갈 수 있도록 자동 </a:t>
+            </a:r>
+            <a:r>
+              <a:rPr lang="en-US" altLang="ko-KR" sz="1600" dirty="0">
+                <a:latin typeface="+mn-ea"/>
+                <a:ea typeface="+mn-ea"/>
+              </a:rPr>
+              <a:t>Tracking </a:t>
+            </a:r>
+            <a:r>
+              <a:rPr lang="ko-KR" altLang="en-US" sz="1600" dirty="0">
+                <a:latin typeface="+mn-ea"/>
+                <a:ea typeface="+mn-ea"/>
+              </a:rPr>
+              <a:t>해볼 것</a:t>
+            </a:r>
+            <a:endParaRPr lang="en-US" altLang="ko-KR" sz="1600" dirty="0">
+              <a:latin typeface="+mn-ea"/>
+              <a:ea typeface="+mn-ea"/>
+            </a:endParaRPr>
+          </a:p>
+          <a:p>
+            <a:pPr lvl="1"/>
+            <a:endParaRPr lang="en-US" altLang="ko-KR" sz="1800" dirty="0">
+              <a:latin typeface="+mn-ea"/>
+              <a:ea typeface="+mn-ea"/>
+            </a:endParaRPr>
+          </a:p>
+          <a:p>
+            <a:r>
+              <a:rPr lang="ko-KR" altLang="en-US" sz="1800" dirty="0">
+                <a:latin typeface="+mn-ea"/>
+                <a:ea typeface="+mn-ea"/>
+              </a:rPr>
+              <a:t>지적 사항에 대한 답변</a:t>
+            </a:r>
+            <a:endParaRPr lang="en-US" altLang="ko-KR" sz="1600" dirty="0">
+              <a:latin typeface="+mn-ea"/>
+              <a:ea typeface="+mn-ea"/>
+            </a:endParaRPr>
+          </a:p>
+          <a:p>
+            <a:pPr lvl="1"/>
+            <a:r>
+              <a:rPr lang="ko-KR" altLang="en-US" sz="1600" dirty="0">
+                <a:latin typeface="+mn-ea"/>
+                <a:ea typeface="+mn-ea"/>
+              </a:rPr>
+              <a:t>카메라가 모션에 따라 추적해 갈 수 있도록 자동 </a:t>
+            </a:r>
+            <a:r>
+              <a:rPr lang="en-US" altLang="ko-KR" sz="1600" dirty="0">
+                <a:latin typeface="+mn-ea"/>
+                <a:ea typeface="+mn-ea"/>
+              </a:rPr>
+              <a:t>Tracking </a:t>
+            </a:r>
+            <a:r>
+              <a:rPr lang="ko-KR" altLang="en-US" sz="1600" dirty="0">
+                <a:latin typeface="+mn-ea"/>
+                <a:ea typeface="+mn-ea"/>
+              </a:rPr>
+              <a:t>시도</a:t>
+            </a:r>
+            <a:endParaRPr lang="en-US" altLang="ko-KR" sz="1600" dirty="0">
+              <a:latin typeface="+mn-ea"/>
+              <a:ea typeface="+mn-ea"/>
+            </a:endParaRPr>
+          </a:p>
+        </p:txBody>
+      </p:sp>
+      <p:sp>
+        <p:nvSpPr>
+          <p:cNvPr id="12" name="제목 1">
+            <a:extLst>
+              <a:ext uri="{FF2B5EF4-FFF2-40B4-BE49-F238E27FC236}">
+                <a16:creationId xmlns:a16="http://schemas.microsoft.com/office/drawing/2014/main" id="{C25FF385-E711-4873-8412-9452A314A6AF}"/>
+              </a:ext>
+            </a:extLst>
+          </p:cNvPr>
+          <p:cNvSpPr txBox="1">
+            <a:spLocks/>
+          </p:cNvSpPr>
+          <p:nvPr/>
+        </p:nvSpPr>
+        <p:spPr>
+          <a:xfrm>
+            <a:off x="413816" y="1701156"/>
+            <a:ext cx="4530323" cy="495776"/>
+          </a:xfrm>
+          <a:prstGeom prst="rect">
+            <a:avLst/>
+          </a:prstGeom>
+        </p:spPr>
+        <p:txBody>
+          <a:bodyPr vert="horz" lIns="91440" tIns="45720" rIns="91440" bIns="45720" rtlCol="0" anchor="ctr">
+            <a:normAutofit fontScale="90000"/>
+          </a:bodyPr>
+          <a:lstStyle>
+            <a:lvl1pPr algn="ctr" defTabSz="914400" rtl="0" eaLnBrk="1" latinLnBrk="1" hangingPunct="1">
+              <a:spcBef>
+                <a:spcPct val="0"/>
+              </a:spcBef>
+              <a:buNone/>
+              <a:defRPr sz="4400" kern="1200">
+                <a:solidFill>
+                  <a:schemeClr val="tx1"/>
+                </a:solidFill>
+                <a:latin typeface="나눔고딕" pitchFamily="50" charset="-127"/>
+                <a:ea typeface="나눔고딕" pitchFamily="50" charset="-127"/>
+                <a:cs typeface="+mj-cs"/>
+              </a:defRPr>
+            </a:lvl1pPr>
+          </a:lstStyle>
+          <a:p>
+            <a:pPr algn="l"/>
+            <a:r>
+              <a:rPr lang="en-US" altLang="ko-KR" sz="2700" dirty="0">
+                <a:latin typeface="+mn-ea"/>
+                <a:ea typeface="+mn-ea"/>
+              </a:rPr>
+              <a:t> </a:t>
+            </a:r>
+            <a:r>
+              <a:rPr lang="ko-KR" altLang="en-US" sz="2700" b="1" dirty="0">
+                <a:latin typeface="+mn-ea"/>
+                <a:ea typeface="+mn-ea"/>
+              </a:rPr>
+              <a:t>프로토타입 지적사항 및 답변</a:t>
+            </a:r>
+          </a:p>
+        </p:txBody>
+      </p:sp>
+    </p:spTree>
+    <p:extLst>
+      <p:ext uri="{BB962C8B-B14F-4D97-AF65-F5344CB8AC3E}">
+        <p14:creationId xmlns:p14="http://schemas.microsoft.com/office/powerpoint/2010/main" val="4156874251"/>
+      </p:ext>
+    </p:extLst>
+  </p:cSld>
+  <p:clrMapOvr>
+    <a:masterClrMapping/>
+  </p:clrMapOvr>
+</p:sld>
+</file>
+
+<file path=ppt/slides/slide7.xml><?xml version="1.0" encoding="utf-8"?>
+<p:sld xmlns:a="http://schemas.openxmlformats.org/drawingml/2006/main" xmlns:r="http://schemas.openxmlformats.org/officeDocument/2006/relationships" xmlns:p="http://schemas.openxmlformats.org/presentationml/2006/main">
+  <p:cSld>
+    <p:spTree>
+      <p:nvGrpSpPr>
+        <p:cNvPr id="1" name=""/>
+        <p:cNvGrpSpPr/>
+        <p:nvPr/>
+      </p:nvGrpSpPr>
+      <p:grpSpPr>
+        <a:xfrm>
+          <a:off x="0" y="0"/>
+          <a:ext cx="0" cy="0"/>
+          <a:chOff x="0" y="0"/>
+          <a:chExt cx="0" cy="0"/>
+        </a:xfrm>
+      </p:grpSpPr>
+      <p:sp>
+        <p:nvSpPr>
+          <p:cNvPr id="5" name="TextBox 4"/>
+          <p:cNvSpPr txBox="1"/>
+          <p:nvPr/>
+        </p:nvSpPr>
+        <p:spPr>
+          <a:xfrm>
+            <a:off x="263455" y="195231"/>
+            <a:ext cx="1584176" cy="215444"/>
+          </a:xfrm>
+          <a:prstGeom prst="rect">
+            <a:avLst/>
+          </a:prstGeom>
+          <a:noFill/>
+        </p:spPr>
+        <p:txBody>
+          <a:bodyPr wrap="square" rtlCol="0">
+            <a:spAutoFit/>
+          </a:bodyPr>
+          <a:lstStyle/>
+          <a:p>
+            <a:r>
+              <a:rPr lang="en-US" altLang="ko-KR" sz="800" spc="-30" dirty="0">
+                <a:solidFill>
+                  <a:schemeClr val="tx1">
+                    <a:lumMod val="95000"/>
+                    <a:lumOff val="5000"/>
+                  </a:schemeClr>
+                </a:solidFill>
+                <a:latin typeface="나눔고딕" pitchFamily="50" charset="-127"/>
+                <a:ea typeface="나눔고딕" pitchFamily="50" charset="-127"/>
+              </a:rPr>
+              <a:t>1. </a:t>
+            </a:r>
+            <a:r>
+              <a:rPr lang="ko-KR" altLang="en-US" sz="800" spc="-30" dirty="0">
+                <a:solidFill>
+                  <a:schemeClr val="tx1">
+                    <a:lumMod val="95000"/>
+                    <a:lumOff val="5000"/>
+                  </a:schemeClr>
+                </a:solidFill>
+                <a:latin typeface="나눔고딕" pitchFamily="50" charset="-127"/>
+                <a:ea typeface="나눔고딕" pitchFamily="50" charset="-127"/>
+              </a:rPr>
+              <a:t>종합 설계 개요</a:t>
+            </a:r>
+            <a:endParaRPr lang="en-US" altLang="ko-KR" sz="800" spc="-30" dirty="0">
+              <a:solidFill>
+                <a:schemeClr val="tx1">
+                  <a:lumMod val="95000"/>
+                  <a:lumOff val="5000"/>
+                </a:schemeClr>
+              </a:solidFill>
+              <a:latin typeface="나눔고딕" pitchFamily="50" charset="-127"/>
+              <a:ea typeface="나눔고딕" pitchFamily="50" charset="-127"/>
+            </a:endParaRPr>
+          </a:p>
+        </p:txBody>
+      </p:sp>
+      <p:cxnSp>
+        <p:nvCxnSpPr>
+          <p:cNvPr id="20" name="직선 연결선 19"/>
+          <p:cNvCxnSpPr/>
+          <p:nvPr/>
+        </p:nvCxnSpPr>
+        <p:spPr>
+          <a:xfrm>
+            <a:off x="364803" y="547859"/>
+            <a:ext cx="8406000" cy="0"/>
+          </a:xfrm>
+          <a:prstGeom prst="line">
+            <a:avLst/>
+          </a:prstGeom>
+          <a:ln w="3175">
+            <a:solidFill>
+              <a:schemeClr val="accent4">
+                <a:lumMod val="50000"/>
+              </a:schemeClr>
+            </a:solidFill>
+          </a:ln>
+        </p:spPr>
+        <p:style>
+          <a:lnRef idx="1">
+            <a:schemeClr val="accent1"/>
+          </a:lnRef>
+          <a:fillRef idx="0">
+            <a:schemeClr val="accent1"/>
+          </a:fillRef>
+          <a:effectRef idx="0">
+            <a:schemeClr val="accent1"/>
+          </a:effectRef>
+          <a:fontRef idx="minor">
+            <a:schemeClr val="tx1"/>
+          </a:fontRef>
+        </p:style>
+      </p:cxnSp>
+      <p:sp>
+        <p:nvSpPr>
+          <p:cNvPr id="31" name="제목 1"/>
+          <p:cNvSpPr>
+            <a:spLocks noGrp="1"/>
+          </p:cNvSpPr>
+          <p:nvPr>
+            <p:ph type="title"/>
+          </p:nvPr>
+        </p:nvSpPr>
+        <p:spPr>
+          <a:xfrm>
+            <a:off x="256544" y="700126"/>
+            <a:ext cx="6995120" cy="580926"/>
+          </a:xfrm>
+        </p:spPr>
+        <p:txBody>
+          <a:bodyPr>
+            <a:noAutofit/>
+          </a:bodyPr>
+          <a:lstStyle/>
+          <a:p>
+            <a:pPr algn="l">
+              <a:lnSpc>
+                <a:spcPct val="175000"/>
+              </a:lnSpc>
+            </a:pPr>
+            <a:r>
+              <a:rPr lang="ko-KR" altLang="en-US" sz="4000" b="1" spc="-50" dirty="0">
+                <a:solidFill>
+                  <a:schemeClr val="tx1">
+                    <a:lumMod val="75000"/>
+                    <a:lumOff val="25000"/>
+                  </a:schemeClr>
+                </a:solidFill>
+                <a:latin typeface="+mj-ea"/>
+                <a:ea typeface="+mj-ea"/>
+              </a:rPr>
+              <a:t>종합 설계 개요</a:t>
+            </a:r>
+            <a:endParaRPr lang="en-US" altLang="ko-KR" sz="4000" b="1" spc="-50" dirty="0">
+              <a:solidFill>
+                <a:schemeClr val="tx1">
+                  <a:lumMod val="75000"/>
+                  <a:lumOff val="25000"/>
+                </a:schemeClr>
+              </a:solidFill>
+              <a:latin typeface="+mj-ea"/>
+              <a:ea typeface="+mj-ea"/>
+            </a:endParaRPr>
+          </a:p>
+        </p:txBody>
+      </p:sp>
+      <p:sp>
+        <p:nvSpPr>
+          <p:cNvPr id="9" name="TextBox 8"/>
+          <p:cNvSpPr txBox="1"/>
+          <p:nvPr/>
+        </p:nvSpPr>
+        <p:spPr>
+          <a:xfrm>
+            <a:off x="7277411" y="195231"/>
+            <a:ext cx="1584176" cy="215444"/>
+          </a:xfrm>
+          <a:prstGeom prst="rect">
+            <a:avLst/>
+          </a:prstGeom>
+          <a:noFill/>
+        </p:spPr>
+        <p:txBody>
+          <a:bodyPr wrap="square" rtlCol="0">
+            <a:spAutoFit/>
+          </a:bodyPr>
+          <a:lstStyle/>
+          <a:p>
+            <a:pPr algn="r"/>
+            <a:fld id="{DBA1376A-1BCE-4C3B-85BD-05D751D6B156}" type="slidenum">
+              <a:rPr lang="en-US" altLang="ko-KR" sz="800" spc="-30" smtClean="0">
+                <a:solidFill>
+                  <a:schemeClr val="tx1">
+                    <a:lumMod val="95000"/>
+                    <a:lumOff val="5000"/>
+                  </a:schemeClr>
+                </a:solidFill>
+                <a:latin typeface="나눔고딕" pitchFamily="50" charset="-127"/>
+                <a:ea typeface="나눔고딕" pitchFamily="50" charset="-127"/>
+              </a:rPr>
+              <a:pPr algn="r"/>
+              <a:t>7</a:t>
+            </a:fld>
+            <a:r>
+              <a:rPr lang="en-US" altLang="ko-KR" sz="800" spc="-30" dirty="0">
+                <a:solidFill>
+                  <a:schemeClr val="tx1">
+                    <a:lumMod val="95000"/>
+                    <a:lumOff val="5000"/>
+                  </a:schemeClr>
+                </a:solidFill>
+                <a:latin typeface="나눔고딕" pitchFamily="50" charset="-127"/>
+                <a:ea typeface="나눔고딕" pitchFamily="50" charset="-127"/>
+              </a:rPr>
+              <a:t> / 17</a:t>
+            </a:r>
+          </a:p>
+        </p:txBody>
+      </p:sp>
+      <p:sp>
+        <p:nvSpPr>
+          <p:cNvPr id="8" name="내용 개체 틀 2"/>
+          <p:cNvSpPr txBox="1">
+            <a:spLocks/>
+          </p:cNvSpPr>
+          <p:nvPr/>
+        </p:nvSpPr>
+        <p:spPr>
+          <a:xfrm>
+            <a:off x="259795" y="1631109"/>
+            <a:ext cx="8470547" cy="1275443"/>
+          </a:xfrm>
+          <a:prstGeom prst="rect">
+            <a:avLst/>
+          </a:prstGeom>
+        </p:spPr>
+        <p:txBody>
+          <a:bodyPr vert="horz" lIns="91440" tIns="45720" rIns="91440" bIns="45720" rtlCol="0">
+            <a:normAutofit/>
+          </a:bodyPr>
+          <a:lstStyle>
+            <a:lvl1pPr marL="342900" indent="-342900" algn="l" defTabSz="914400" rtl="0" eaLnBrk="1" latinLnBrk="1" hangingPunct="1">
+              <a:spcBef>
+                <a:spcPct val="20000"/>
+              </a:spcBef>
+              <a:buFont typeface="Arial" pitchFamily="34" charset="0"/>
+              <a:buChar char="•"/>
+              <a:defRPr sz="3200" kern="1200">
+                <a:solidFill>
+                  <a:schemeClr val="tx1"/>
+                </a:solidFill>
+                <a:latin typeface="+mn-lt"/>
+                <a:ea typeface="+mn-ea"/>
+                <a:cs typeface="+mn-cs"/>
+              </a:defRPr>
+            </a:lvl1pPr>
+            <a:lvl2pPr marL="742950" indent="-285750" algn="l" defTabSz="914400" rtl="0" eaLnBrk="1" latinLnBrk="1" hangingPunct="1">
+              <a:spcBef>
+                <a:spcPct val="20000"/>
+              </a:spcBef>
+              <a:buFont typeface="Arial" pitchFamily="34" charset="0"/>
+              <a:buChar char="–"/>
+              <a:defRPr sz="2800" kern="1200">
+                <a:solidFill>
+                  <a:schemeClr val="tx1"/>
+                </a:solidFill>
+                <a:latin typeface="+mn-lt"/>
+                <a:ea typeface="+mn-ea"/>
+                <a:cs typeface="+mn-cs"/>
+              </a:defRPr>
+            </a:lvl2pPr>
+            <a:lvl3pPr marL="1143000" indent="-228600" algn="l" defTabSz="914400" rtl="0" eaLnBrk="1" latinLnBrk="1" hangingPunct="1">
+              <a:spcBef>
+                <a:spcPct val="20000"/>
+              </a:spcBef>
+              <a:buFont typeface="Arial" pitchFamily="34" charset="0"/>
+              <a:buChar char="•"/>
+              <a:defRPr sz="2400" kern="1200">
+                <a:solidFill>
+                  <a:schemeClr val="tx1"/>
+                </a:solidFill>
+                <a:latin typeface="+mn-lt"/>
+                <a:ea typeface="+mn-ea"/>
+                <a:cs typeface="+mn-cs"/>
+              </a:defRPr>
+            </a:lvl3pPr>
+            <a:lvl4pPr marL="1600200" indent="-228600" algn="l" defTabSz="914400" rtl="0" eaLnBrk="1" latinLnBrk="1" hangingPunct="1">
+              <a:spcBef>
+                <a:spcPct val="20000"/>
+              </a:spcBef>
+              <a:buFont typeface="Arial" pitchFamily="34" charset="0"/>
+              <a:buChar char="–"/>
+              <a:defRPr sz="2000" kern="1200">
+                <a:solidFill>
+                  <a:schemeClr val="tx1"/>
+                </a:solidFill>
+                <a:latin typeface="+mn-lt"/>
+                <a:ea typeface="+mn-ea"/>
+                <a:cs typeface="+mn-cs"/>
+              </a:defRPr>
+            </a:lvl4pPr>
+            <a:lvl5pPr marL="2057400" indent="-228600" algn="l" defTabSz="914400" rtl="0" eaLnBrk="1" latinLnBrk="1" hangingPunct="1">
+              <a:spcBef>
+                <a:spcPct val="20000"/>
+              </a:spcBef>
+              <a:buFont typeface="Arial" pitchFamily="34" charset="0"/>
+              <a:buChar char="»"/>
+              <a:defRPr sz="2000" kern="1200">
+                <a:solidFill>
+                  <a:schemeClr val="tx1"/>
+                </a:solidFill>
+                <a:latin typeface="+mn-lt"/>
+                <a:ea typeface="+mn-ea"/>
+                <a:cs typeface="+mn-cs"/>
+              </a:defRPr>
+            </a:lvl5pPr>
+            <a:lvl6pPr marL="2514600" indent="-228600" algn="l" defTabSz="914400" rtl="0" eaLnBrk="1" latinLnBrk="1" hangingPunct="1">
+              <a:spcBef>
+                <a:spcPct val="20000"/>
+              </a:spcBef>
+              <a:buFont typeface="Arial" pitchFamily="34" charset="0"/>
+              <a:buChar char="•"/>
+              <a:defRPr sz="2000" kern="1200">
+                <a:solidFill>
+                  <a:schemeClr val="tx1"/>
+                </a:solidFill>
+                <a:latin typeface="+mn-lt"/>
+                <a:ea typeface="+mn-ea"/>
+                <a:cs typeface="+mn-cs"/>
+              </a:defRPr>
+            </a:lvl6pPr>
+            <a:lvl7pPr marL="2971800" indent="-228600" algn="l" defTabSz="914400" rtl="0" eaLnBrk="1" latinLnBrk="1" hangingPunct="1">
+              <a:spcBef>
+                <a:spcPct val="20000"/>
+              </a:spcBef>
+              <a:buFont typeface="Arial" pitchFamily="34" charset="0"/>
+              <a:buChar char="•"/>
+              <a:defRPr sz="2000" kern="1200">
+                <a:solidFill>
+                  <a:schemeClr val="tx1"/>
+                </a:solidFill>
+                <a:latin typeface="+mn-lt"/>
+                <a:ea typeface="+mn-ea"/>
+                <a:cs typeface="+mn-cs"/>
+              </a:defRPr>
+            </a:lvl7pPr>
+            <a:lvl8pPr marL="3429000" indent="-228600" algn="l" defTabSz="914400" rtl="0" eaLnBrk="1" latinLnBrk="1" hangingPunct="1">
+              <a:spcBef>
+                <a:spcPct val="20000"/>
+              </a:spcBef>
+              <a:buFont typeface="Arial" pitchFamily="34" charset="0"/>
+              <a:buChar char="•"/>
+              <a:defRPr sz="2000" kern="1200">
+                <a:solidFill>
+                  <a:schemeClr val="tx1"/>
+                </a:solidFill>
+                <a:latin typeface="+mn-lt"/>
+                <a:ea typeface="+mn-ea"/>
+                <a:cs typeface="+mn-cs"/>
+              </a:defRPr>
+            </a:lvl8pPr>
+            <a:lvl9pPr marL="3886200" indent="-228600" algn="l" defTabSz="914400" rtl="0" eaLnBrk="1" latinLnBrk="1" hangingPunct="1">
+              <a:spcBef>
+                <a:spcPct val="20000"/>
+              </a:spcBef>
+              <a:buFont typeface="Arial" pitchFamily="34" charset="0"/>
+              <a:buChar char="•"/>
+              <a:defRPr sz="2000" kern="1200">
+                <a:solidFill>
+                  <a:schemeClr val="tx1"/>
+                </a:solidFill>
+                <a:latin typeface="+mn-lt"/>
+                <a:ea typeface="+mn-ea"/>
+                <a:cs typeface="+mn-cs"/>
+              </a:defRPr>
+            </a:lvl9pPr>
+          </a:lstStyle>
+          <a:p>
+            <a:pPr marL="0" indent="0">
+              <a:buFont typeface="Arial" pitchFamily="34" charset="0"/>
+              <a:buNone/>
+            </a:pPr>
+            <a:endParaRPr lang="ko-KR" altLang="en-US" sz="1200" dirty="0">
+              <a:solidFill>
+                <a:srgbClr val="3D3C3E"/>
+              </a:solidFill>
+              <a:latin typeface="나눔고딕" pitchFamily="50" charset="-127"/>
+              <a:ea typeface="나눔고딕" pitchFamily="50" charset="-127"/>
+            </a:endParaRPr>
+          </a:p>
+        </p:txBody>
+      </p:sp>
+      <p:sp>
+        <p:nvSpPr>
           <p:cNvPr id="11" name="내용 개체 틀 2"/>
           <p:cNvSpPr txBox="1">
             <a:spLocks/>
@@ -16952,7 +18026,7 @@
 </p:sld>
 </file>
 
-<file path=ppt/slides/slide7.xml><?xml version="1.0" encoding="utf-8"?>
+<file path=ppt/slides/slide8.xml><?xml version="1.0" encoding="utf-8"?>
 <p:sld xmlns:a="http://schemas.openxmlformats.org/drawingml/2006/main" xmlns:r="http://schemas.openxmlformats.org/officeDocument/2006/relationships" xmlns:p="http://schemas.openxmlformats.org/presentationml/2006/main">
   <p:cSld>
     <p:spTree>
@@ -18850,7 +19924,7 @@
                 <a:ea typeface="나눔고딕" pitchFamily="50" charset="-127"/>
               </a:rPr>
               <a:pPr algn="r"/>
-              <a:t>7</a:t>
+              <a:t>8</a:t>
             </a:fld>
             <a:r>
               <a:rPr lang="en-US" altLang="ko-KR" sz="800" spc="-30" dirty="0">
@@ -18863,7 +19937,7 @@
                 <a:latin typeface="나눔고딕" pitchFamily="50" charset="-127"/>
                 <a:ea typeface="나눔고딕" pitchFamily="50" charset="-127"/>
               </a:rPr>
-              <a:t> / 16</a:t>
+              <a:t> / 17</a:t>
             </a:r>
           </a:p>
         </p:txBody>
@@ -18881,7 +19955,7 @@
 </p:sld>
 </file>
 
-<file path=ppt/slides/slide8.xml><?xml version="1.0" encoding="utf-8"?>
+<file path=ppt/slides/slide9.xml><?xml version="1.0" encoding="utf-8"?>
 <p:sld xmlns:a="http://schemas.openxmlformats.org/drawingml/2006/main" xmlns:r="http://schemas.openxmlformats.org/officeDocument/2006/relationships" xmlns:p="http://schemas.openxmlformats.org/presentationml/2006/main">
   <p:cSld>
     <p:spTree>
@@ -19084,7 +20158,7 @@
                 <a:ea typeface="나눔고딕" pitchFamily="50" charset="-127"/>
               </a:rPr>
               <a:pPr algn="r"/>
-              <a:t>8</a:t>
+              <a:t>9</a:t>
             </a:fld>
             <a:r>
               <a:rPr lang="en-US" altLang="ko-KR" sz="800" spc="-30" dirty="0">
@@ -19097,7 +20171,7 @@
                 <a:latin typeface="나눔고딕" pitchFamily="50" charset="-127"/>
                 <a:ea typeface="나눔고딕" pitchFamily="50" charset="-127"/>
               </a:rPr>
-              <a:t> / 16</a:t>
+              <a:t> / 17</a:t>
             </a:r>
           </a:p>
         </p:txBody>
@@ -19453,384 +20527,6 @@
     <p:extLst>
       <p:ext uri="{BB962C8B-B14F-4D97-AF65-F5344CB8AC3E}">
         <p14:creationId xmlns:p14="http://schemas.microsoft.com/office/powerpoint/2010/main" val="2523950737"/>
-      </p:ext>
-    </p:extLst>
-  </p:cSld>
-  <p:clrMapOvr>
-    <a:masterClrMapping/>
-  </p:clrMapOvr>
-</p:sld>
-</file>
-
-<file path=ppt/slides/slide9.xml><?xml version="1.0" encoding="utf-8"?>
-<p:sld xmlns:a="http://schemas.openxmlformats.org/drawingml/2006/main" xmlns:r="http://schemas.openxmlformats.org/officeDocument/2006/relationships" xmlns:p="http://schemas.openxmlformats.org/presentationml/2006/main">
-  <p:cSld>
-    <p:spTree>
-      <p:nvGrpSpPr>
-        <p:cNvPr id="1" name=""/>
-        <p:cNvGrpSpPr/>
-        <p:nvPr/>
-      </p:nvGrpSpPr>
-      <p:grpSpPr>
-        <a:xfrm>
-          <a:off x="0" y="0"/>
-          <a:ext cx="0" cy="0"/>
-          <a:chOff x="0" y="0"/>
-          <a:chExt cx="0" cy="0"/>
-        </a:xfrm>
-      </p:grpSpPr>
-      <p:sp>
-        <p:nvSpPr>
-          <p:cNvPr id="5" name="TextBox 4"/>
-          <p:cNvSpPr txBox="1"/>
-          <p:nvPr/>
-        </p:nvSpPr>
-        <p:spPr>
-          <a:xfrm>
-            <a:off x="263455" y="195231"/>
-            <a:ext cx="1584176" cy="215444"/>
-          </a:xfrm>
-          <a:prstGeom prst="rect">
-            <a:avLst/>
-          </a:prstGeom>
-          <a:noFill/>
-        </p:spPr>
-        <p:txBody>
-          <a:bodyPr wrap="square" rtlCol="0">
-            <a:spAutoFit/>
-          </a:bodyPr>
-          <a:lstStyle/>
-          <a:p>
-            <a:r>
-              <a:rPr lang="en-US" altLang="ko-KR" sz="800" spc="-30" dirty="0">
-                <a:solidFill>
-                  <a:schemeClr val="tx1">
-                    <a:lumMod val="95000"/>
-                    <a:lumOff val="5000"/>
-                  </a:schemeClr>
-                </a:solidFill>
-                <a:latin typeface="나눔고딕" pitchFamily="50" charset="-127"/>
-                <a:ea typeface="나눔고딕" pitchFamily="50" charset="-127"/>
-              </a:rPr>
-              <a:t>4.</a:t>
-            </a:r>
-            <a:r>
-              <a:rPr lang="ko-KR" altLang="en-US" sz="800" spc="-30" dirty="0">
-                <a:solidFill>
-                  <a:schemeClr val="tx1">
-                    <a:lumMod val="95000"/>
-                    <a:lumOff val="5000"/>
-                  </a:schemeClr>
-                </a:solidFill>
-                <a:latin typeface="나눔고딕" pitchFamily="50" charset="-127"/>
-                <a:ea typeface="나눔고딕" pitchFamily="50" charset="-127"/>
-              </a:rPr>
-              <a:t>개발 환경 및 개발 방법 </a:t>
-            </a:r>
-            <a:endParaRPr lang="en-US" altLang="ko-KR" sz="800" spc="-30" dirty="0">
-              <a:solidFill>
-                <a:schemeClr val="tx1">
-                  <a:lumMod val="95000"/>
-                  <a:lumOff val="5000"/>
-                </a:schemeClr>
-              </a:solidFill>
-              <a:latin typeface="나눔고딕" pitchFamily="50" charset="-127"/>
-              <a:ea typeface="나눔고딕" pitchFamily="50" charset="-127"/>
-            </a:endParaRPr>
-          </a:p>
-        </p:txBody>
-      </p:sp>
-      <p:cxnSp>
-        <p:nvCxnSpPr>
-          <p:cNvPr id="20" name="직선 연결선 19"/>
-          <p:cNvCxnSpPr/>
-          <p:nvPr/>
-        </p:nvCxnSpPr>
-        <p:spPr>
-          <a:xfrm>
-            <a:off x="364803" y="547859"/>
-            <a:ext cx="8406000" cy="0"/>
-          </a:xfrm>
-          <a:prstGeom prst="line">
-            <a:avLst/>
-          </a:prstGeom>
-          <a:ln w="3175">
-            <a:solidFill>
-              <a:schemeClr val="accent4">
-                <a:lumMod val="50000"/>
-              </a:schemeClr>
-            </a:solidFill>
-          </a:ln>
-        </p:spPr>
-        <p:style>
-          <a:lnRef idx="1">
-            <a:schemeClr val="accent1"/>
-          </a:lnRef>
-          <a:fillRef idx="0">
-            <a:schemeClr val="accent1"/>
-          </a:fillRef>
-          <a:effectRef idx="0">
-            <a:schemeClr val="accent1"/>
-          </a:effectRef>
-          <a:fontRef idx="minor">
-            <a:schemeClr val="tx1"/>
-          </a:fontRef>
-        </p:style>
-      </p:cxnSp>
-      <p:sp>
-        <p:nvSpPr>
-          <p:cNvPr id="31" name="제목 1"/>
-          <p:cNvSpPr>
-            <a:spLocks noGrp="1"/>
-          </p:cNvSpPr>
-          <p:nvPr>
-            <p:ph type="title"/>
-          </p:nvPr>
-        </p:nvSpPr>
-        <p:spPr>
-          <a:xfrm>
-            <a:off x="256544" y="700126"/>
-            <a:ext cx="6995120" cy="580926"/>
-          </a:xfrm>
-        </p:spPr>
-        <p:txBody>
-          <a:bodyPr>
-            <a:noAutofit/>
-          </a:bodyPr>
-          <a:lstStyle/>
-          <a:p>
-            <a:pPr algn="l">
-              <a:lnSpc>
-                <a:spcPct val="175000"/>
-              </a:lnSpc>
-            </a:pPr>
-            <a:r>
-              <a:rPr lang="ko-KR" altLang="en-US" sz="4000" b="1" spc="-50" dirty="0">
-                <a:solidFill>
-                  <a:schemeClr val="tx1">
-                    <a:lumMod val="75000"/>
-                    <a:lumOff val="25000"/>
-                  </a:schemeClr>
-                </a:solidFill>
-                <a:latin typeface="+mj-ea"/>
-                <a:ea typeface="+mj-ea"/>
-              </a:rPr>
-              <a:t>개발 환경 및 개발 방법</a:t>
-            </a:r>
-            <a:endParaRPr lang="en-US" altLang="ko-KR" sz="4000" b="1" spc="-50" dirty="0">
-              <a:solidFill>
-                <a:schemeClr val="tx1">
-                  <a:lumMod val="75000"/>
-                  <a:lumOff val="25000"/>
-                </a:schemeClr>
-              </a:solidFill>
-              <a:latin typeface="+mj-ea"/>
-              <a:ea typeface="+mj-ea"/>
-            </a:endParaRPr>
-          </a:p>
-        </p:txBody>
-      </p:sp>
-      <p:sp>
-        <p:nvSpPr>
-          <p:cNvPr id="9" name="TextBox 8"/>
-          <p:cNvSpPr txBox="1"/>
-          <p:nvPr/>
-        </p:nvSpPr>
-        <p:spPr>
-          <a:xfrm>
-            <a:off x="7277411" y="195231"/>
-            <a:ext cx="1584176" cy="215444"/>
-          </a:xfrm>
-          <a:prstGeom prst="rect">
-            <a:avLst/>
-          </a:prstGeom>
-          <a:noFill/>
-        </p:spPr>
-        <p:txBody>
-          <a:bodyPr wrap="square" rtlCol="0">
-            <a:spAutoFit/>
-          </a:bodyPr>
-          <a:lstStyle/>
-          <a:p>
-            <a:pPr algn="r"/>
-            <a:fld id="{DBA1376A-1BCE-4C3B-85BD-05D751D6B156}" type="slidenum">
-              <a:rPr lang="en-US" altLang="ko-KR" sz="800" spc="-30" smtClean="0">
-                <a:solidFill>
-                  <a:schemeClr val="tx1">
-                    <a:lumMod val="95000"/>
-                    <a:lumOff val="5000"/>
-                  </a:schemeClr>
-                </a:solidFill>
-                <a:latin typeface="나눔고딕" pitchFamily="50" charset="-127"/>
-                <a:ea typeface="나눔고딕" pitchFamily="50" charset="-127"/>
-              </a:rPr>
-              <a:pPr algn="r"/>
-              <a:t>9</a:t>
-            </a:fld>
-            <a:r>
-              <a:rPr lang="en-US" altLang="ko-KR" sz="800" spc="-30" dirty="0">
-                <a:solidFill>
-                  <a:schemeClr val="tx1">
-                    <a:lumMod val="95000"/>
-                    <a:lumOff val="5000"/>
-                  </a:schemeClr>
-                </a:solidFill>
-                <a:latin typeface="나눔고딕" pitchFamily="50" charset="-127"/>
-                <a:ea typeface="나눔고딕" pitchFamily="50" charset="-127"/>
-              </a:rPr>
-              <a:t> / 16</a:t>
-            </a:r>
-          </a:p>
-        </p:txBody>
-      </p:sp>
-      <p:pic>
-        <p:nvPicPr>
-          <p:cNvPr id="6" name="그림 5">
-            <a:extLst>
-              <a:ext uri="{FF2B5EF4-FFF2-40B4-BE49-F238E27FC236}">
-                <a16:creationId xmlns:a16="http://schemas.microsoft.com/office/drawing/2014/main" id="{C89B209F-E18E-400B-9E7F-12DB7603476B}"/>
-              </a:ext>
-            </a:extLst>
-          </p:cNvPr>
-          <p:cNvPicPr>
-            <a:picLocks noChangeAspect="1"/>
-          </p:cNvPicPr>
-          <p:nvPr/>
-        </p:nvPicPr>
-        <p:blipFill>
-          <a:blip r:embed="rId3">
-            <a:extLst>
-              <a:ext uri="{28A0092B-C50C-407E-A947-70E740481C1C}">
-                <a14:useLocalDpi xmlns:a14="http://schemas.microsoft.com/office/drawing/2010/main" val="0"/>
-              </a:ext>
-            </a:extLst>
-          </a:blip>
-          <a:stretch>
-            <a:fillRect/>
-          </a:stretch>
-        </p:blipFill>
-        <p:spPr>
-          <a:xfrm>
-            <a:off x="484727" y="1846850"/>
-            <a:ext cx="4506373" cy="2805042"/>
-          </a:xfrm>
-          <a:prstGeom prst="rect">
-            <a:avLst/>
-          </a:prstGeom>
-        </p:spPr>
-      </p:pic>
-      <p:pic>
-        <p:nvPicPr>
-          <p:cNvPr id="8" name="그림 7">
-            <a:extLst>
-              <a:ext uri="{FF2B5EF4-FFF2-40B4-BE49-F238E27FC236}">
-                <a16:creationId xmlns:a16="http://schemas.microsoft.com/office/drawing/2014/main" id="{81300071-9679-4D32-8544-6A7C0ED043E8}"/>
-              </a:ext>
-            </a:extLst>
-          </p:cNvPr>
-          <p:cNvPicPr>
-            <a:picLocks noChangeAspect="1"/>
-          </p:cNvPicPr>
-          <p:nvPr/>
-        </p:nvPicPr>
-        <p:blipFill>
-          <a:blip r:embed="rId4" cstate="print">
-            <a:extLst>
-              <a:ext uri="{28A0092B-C50C-407E-A947-70E740481C1C}">
-                <a14:useLocalDpi xmlns:a14="http://schemas.microsoft.com/office/drawing/2010/main" val="0"/>
-              </a:ext>
-            </a:extLst>
-          </a:blip>
-          <a:stretch>
-            <a:fillRect/>
-          </a:stretch>
-        </p:blipFill>
-        <p:spPr>
-          <a:xfrm>
-            <a:off x="5465039" y="1978701"/>
-            <a:ext cx="2897911" cy="1476066"/>
-          </a:xfrm>
-          <a:prstGeom prst="rect">
-            <a:avLst/>
-          </a:prstGeom>
-        </p:spPr>
-      </p:pic>
-      <p:pic>
-        <p:nvPicPr>
-          <p:cNvPr id="16" name="그림 15">
-            <a:extLst>
-              <a:ext uri="{FF2B5EF4-FFF2-40B4-BE49-F238E27FC236}">
-                <a16:creationId xmlns:a16="http://schemas.microsoft.com/office/drawing/2014/main" id="{A074002B-7219-4CAC-8E2D-EE6AD11BD934}"/>
-              </a:ext>
-            </a:extLst>
-          </p:cNvPr>
-          <p:cNvPicPr>
-            <a:picLocks noChangeAspect="1"/>
-          </p:cNvPicPr>
-          <p:nvPr/>
-        </p:nvPicPr>
-        <p:blipFill>
-          <a:blip r:embed="rId5" cstate="print">
-            <a:extLst>
-              <a:ext uri="{28A0092B-C50C-407E-A947-70E740481C1C}">
-                <a14:useLocalDpi xmlns:a14="http://schemas.microsoft.com/office/drawing/2010/main" val="0"/>
-              </a:ext>
-            </a:extLst>
-          </a:blip>
-          <a:stretch>
-            <a:fillRect/>
-          </a:stretch>
-        </p:blipFill>
-        <p:spPr>
-          <a:xfrm>
-            <a:off x="2019081" y="5350414"/>
-            <a:ext cx="1809969" cy="807460"/>
-          </a:xfrm>
-          <a:prstGeom prst="rect">
-            <a:avLst/>
-          </a:prstGeom>
-        </p:spPr>
-      </p:pic>
-      <p:pic>
-        <p:nvPicPr>
-          <p:cNvPr id="18" name="그림 17">
-            <a:extLst>
-              <a:ext uri="{FF2B5EF4-FFF2-40B4-BE49-F238E27FC236}">
-                <a16:creationId xmlns:a16="http://schemas.microsoft.com/office/drawing/2014/main" id="{7E62D3C1-014D-4B2C-8B46-FE071B322937}"/>
-              </a:ext>
-            </a:extLst>
-          </p:cNvPr>
-          <p:cNvPicPr>
-            <a:picLocks noChangeAspect="1"/>
-          </p:cNvPicPr>
-          <p:nvPr/>
-        </p:nvPicPr>
-        <p:blipFill>
-          <a:blip r:embed="rId6" cstate="print">
-            <a:extLst>
-              <a:ext uri="{28A0092B-C50C-407E-A947-70E740481C1C}">
-                <a14:useLocalDpi xmlns:a14="http://schemas.microsoft.com/office/drawing/2010/main" val="0"/>
-              </a:ext>
-            </a:extLst>
-          </a:blip>
-          <a:stretch>
-            <a:fillRect/>
-          </a:stretch>
-        </p:blipFill>
-        <p:spPr>
-          <a:xfrm>
-            <a:off x="5388812" y="4811835"/>
-            <a:ext cx="2126413" cy="1218798"/>
-          </a:xfrm>
-          <a:prstGeom prst="rect">
-            <a:avLst/>
-          </a:prstGeom>
-        </p:spPr>
-      </p:pic>
-    </p:spTree>
-    <p:extLst>
-      <p:ext uri="{BB962C8B-B14F-4D97-AF65-F5344CB8AC3E}">
-        <p14:creationId xmlns:p14="http://schemas.microsoft.com/office/powerpoint/2010/main" val="2842446449"/>
       </p:ext>
     </p:extLst>
   </p:cSld>
